--- a/Etapa1_Andre_Matheus.pptx
+++ b/Etapa1_Andre_Matheus.pptx
@@ -7,13 +7,14 @@
   <p:sldIdLst>
     <p:sldId id="256" r:id="rId2"/>
     <p:sldId id="257" r:id="rId3"/>
-    <p:sldId id="258" r:id="rId4"/>
-    <p:sldId id="259" r:id="rId5"/>
-    <p:sldId id="260" r:id="rId6"/>
-    <p:sldId id="262" r:id="rId7"/>
-    <p:sldId id="263" r:id="rId8"/>
-    <p:sldId id="264" r:id="rId9"/>
-    <p:sldId id="265" r:id="rId10"/>
+    <p:sldId id="260" r:id="rId4"/>
+    <p:sldId id="266" r:id="rId5"/>
+    <p:sldId id="267" r:id="rId6"/>
+    <p:sldId id="268" r:id="rId7"/>
+    <p:sldId id="270" r:id="rId8"/>
+    <p:sldId id="269" r:id="rId9"/>
+    <p:sldId id="271" r:id="rId10"/>
+    <p:sldId id="265" r:id="rId11"/>
   </p:sldIdLst>
   <p:sldSz cx="9144000" cy="6858000" type="screen4x3"/>
   <p:notesSz cx="6858000" cy="9144000"/>
@@ -297,7 +298,7 @@
             <a:fld id="{1D8BD707-D9CF-40AE-B4C6-C98DA3205C09}" type="datetimeFigureOut">
               <a:rPr lang="en-US" smtClean="0"/>
               <a:pPr/>
-              <a:t>10/30/2017</a:t>
+              <a:t>11/20/2017</a:t>
             </a:fld>
             <a:endParaRPr lang="en-US"/>
           </a:p>
@@ -464,7 +465,7 @@
             <a:fld id="{1D8BD707-D9CF-40AE-B4C6-C98DA3205C09}" type="datetimeFigureOut">
               <a:rPr lang="en-US" smtClean="0"/>
               <a:pPr/>
-              <a:t>10/30/2017</a:t>
+              <a:t>11/20/2017</a:t>
             </a:fld>
             <a:endParaRPr lang="en-US"/>
           </a:p>
@@ -641,7 +642,7 @@
             <a:fld id="{1D8BD707-D9CF-40AE-B4C6-C98DA3205C09}" type="datetimeFigureOut">
               <a:rPr lang="en-US" smtClean="0"/>
               <a:pPr/>
-              <a:t>10/30/2017</a:t>
+              <a:t>11/20/2017</a:t>
             </a:fld>
             <a:endParaRPr lang="en-US"/>
           </a:p>
@@ -808,7 +809,7 @@
             <a:fld id="{1D8BD707-D9CF-40AE-B4C6-C98DA3205C09}" type="datetimeFigureOut">
               <a:rPr lang="en-US" smtClean="0"/>
               <a:pPr/>
-              <a:t>10/30/2017</a:t>
+              <a:t>11/20/2017</a:t>
             </a:fld>
             <a:endParaRPr lang="en-US"/>
           </a:p>
@@ -1051,7 +1052,7 @@
             <a:fld id="{1D8BD707-D9CF-40AE-B4C6-C98DA3205C09}" type="datetimeFigureOut">
               <a:rPr lang="en-US" smtClean="0"/>
               <a:pPr/>
-              <a:t>10/30/2017</a:t>
+              <a:t>11/20/2017</a:t>
             </a:fld>
             <a:endParaRPr lang="en-US"/>
           </a:p>
@@ -1336,7 +1337,7 @@
             <a:fld id="{1D8BD707-D9CF-40AE-B4C6-C98DA3205C09}" type="datetimeFigureOut">
               <a:rPr lang="en-US" smtClean="0"/>
               <a:pPr/>
-              <a:t>10/30/2017</a:t>
+              <a:t>11/20/2017</a:t>
             </a:fld>
             <a:endParaRPr lang="en-US"/>
           </a:p>
@@ -1755,7 +1756,7 @@
             <a:fld id="{1D8BD707-D9CF-40AE-B4C6-C98DA3205C09}" type="datetimeFigureOut">
               <a:rPr lang="en-US" smtClean="0"/>
               <a:pPr/>
-              <a:t>10/30/2017</a:t>
+              <a:t>11/20/2017</a:t>
             </a:fld>
             <a:endParaRPr lang="en-US"/>
           </a:p>
@@ -1870,7 +1871,7 @@
             <a:fld id="{1D8BD707-D9CF-40AE-B4C6-C98DA3205C09}" type="datetimeFigureOut">
               <a:rPr lang="en-US" smtClean="0"/>
               <a:pPr/>
-              <a:t>10/30/2017</a:t>
+              <a:t>11/20/2017</a:t>
             </a:fld>
             <a:endParaRPr lang="en-US"/>
           </a:p>
@@ -1962,7 +1963,7 @@
             <a:fld id="{1D8BD707-D9CF-40AE-B4C6-C98DA3205C09}" type="datetimeFigureOut">
               <a:rPr lang="en-US" smtClean="0"/>
               <a:pPr/>
-              <a:t>10/30/2017</a:t>
+              <a:t>11/20/2017</a:t>
             </a:fld>
             <a:endParaRPr lang="en-US"/>
           </a:p>
@@ -2236,7 +2237,7 @@
             <a:fld id="{1D8BD707-D9CF-40AE-B4C6-C98DA3205C09}" type="datetimeFigureOut">
               <a:rPr lang="en-US" smtClean="0"/>
               <a:pPr/>
-              <a:t>10/30/2017</a:t>
+              <a:t>11/20/2017</a:t>
             </a:fld>
             <a:endParaRPr lang="en-US"/>
           </a:p>
@@ -2486,7 +2487,7 @@
             <a:fld id="{1D8BD707-D9CF-40AE-B4C6-C98DA3205C09}" type="datetimeFigureOut">
               <a:rPr lang="en-US" smtClean="0"/>
               <a:pPr/>
-              <a:t>10/30/2017</a:t>
+              <a:t>11/20/2017</a:t>
             </a:fld>
             <a:endParaRPr lang="en-US"/>
           </a:p>
@@ -2713,7 +2714,7 @@
             <a:fld id="{1D8BD707-D9CF-40AE-B4C6-C98DA3205C09}" type="datetimeFigureOut">
               <a:rPr lang="en-US" smtClean="0"/>
               <a:pPr/>
-              <a:t>10/30/2017</a:t>
+              <a:t>11/20/2017</a:t>
             </a:fld>
             <a:endParaRPr lang="en-US"/>
           </a:p>
@@ -3105,7 +3106,14 @@
             </a:r>
             <a:r>
               <a:rPr lang="pt-BR" b="1" dirty="0" smtClean="0"/>
-              <a:t>1</a:t>
+              <a:t>2</a:t>
+            </a:r>
+            <a:br>
+              <a:rPr lang="pt-BR" b="1" dirty="0" smtClean="0"/>
+            </a:br>
+            <a:r>
+              <a:rPr lang="pt-BR" b="1" dirty="0" smtClean="0"/>
+              <a:t>Resultados Preliminares</a:t>
             </a:r>
             <a:endParaRPr lang="pt-BR" dirty="0"/>
           </a:p>
@@ -3193,6 +3201,117 @@
 </p:sld>
 </file>
 
+<file path=ppt/slides/slide10.xml><?xml version="1.0" encoding="utf-8"?>
+<p:sld xmlns:a="http://schemas.openxmlformats.org/drawingml/2006/main" xmlns:r="http://schemas.openxmlformats.org/officeDocument/2006/relationships" xmlns:p="http://schemas.openxmlformats.org/presentationml/2006/main">
+  <p:cSld>
+    <p:spTree>
+      <p:nvGrpSpPr>
+        <p:cNvPr id="1" name=""/>
+        <p:cNvGrpSpPr/>
+        <p:nvPr/>
+      </p:nvGrpSpPr>
+      <p:grpSpPr>
+        <a:xfrm>
+          <a:off x="0" y="0"/>
+          <a:ext cx="0" cy="0"/>
+          <a:chOff x="0" y="0"/>
+          <a:chExt cx="0" cy="0"/>
+        </a:xfrm>
+      </p:grpSpPr>
+      <p:sp>
+        <p:nvSpPr>
+          <p:cNvPr id="2" name="Title 1"/>
+          <p:cNvSpPr>
+            <a:spLocks noGrp="1"/>
+          </p:cNvSpPr>
+          <p:nvPr>
+            <p:ph type="title"/>
+          </p:nvPr>
+        </p:nvSpPr>
+        <p:spPr/>
+        <p:txBody>
+          <a:bodyPr/>
+          <a:lstStyle/>
+          <a:p>
+            <a:r>
+              <a:rPr lang="pt-BR" dirty="0" smtClean="0"/>
+              <a:t>Estratégia para Etapa Final</a:t>
+            </a:r>
+            <a:endParaRPr lang="pt-BR" dirty="0"/>
+          </a:p>
+        </p:txBody>
+      </p:sp>
+      <p:sp>
+        <p:nvSpPr>
+          <p:cNvPr id="3" name="Content Placeholder 2"/>
+          <p:cNvSpPr>
+            <a:spLocks noGrp="1"/>
+          </p:cNvSpPr>
+          <p:nvPr>
+            <p:ph idx="1"/>
+          </p:nvPr>
+        </p:nvSpPr>
+        <p:spPr/>
+        <p:txBody>
+          <a:bodyPr/>
+          <a:lstStyle/>
+          <a:p>
+            <a:pPr lvl="0"/>
+            <a:r>
+              <a:rPr lang="pt-BR" dirty="0"/>
+              <a:t>Eliminação de algumas notícias de classes que não tenham tanta relevância para o estudo;</a:t>
+            </a:r>
+          </a:p>
+          <a:p>
+            <a:pPr lvl="0"/>
+            <a:r>
+              <a:rPr lang="pt-BR" dirty="0"/>
+              <a:t>Eliminar manchetes com número muito pequeno de palavras;</a:t>
+            </a:r>
+          </a:p>
+          <a:p>
+            <a:r>
+              <a:rPr lang="pt-BR" dirty="0" smtClean="0"/>
+              <a:t>Utilizar mais notícias por dia (até 25 por dia).</a:t>
+            </a:r>
+          </a:p>
+          <a:p>
+            <a:r>
+              <a:rPr lang="pt-BR" smtClean="0"/>
+              <a:t>Verificar se é possível algum outro tipo de divisão por intervalo de variação.</a:t>
+            </a:r>
+            <a:endParaRPr lang="pt-BR" dirty="0" smtClean="0"/>
+          </a:p>
+          <a:p>
+            <a:pPr marL="0" indent="0">
+              <a:buNone/>
+            </a:pPr>
+            <a:endParaRPr lang="pt-BR" dirty="0" smtClean="0"/>
+          </a:p>
+          <a:p>
+            <a:endParaRPr lang="pt-BR" dirty="0" smtClean="0"/>
+          </a:p>
+          <a:p>
+            <a:endParaRPr lang="pt-BR" dirty="0" smtClean="0"/>
+          </a:p>
+          <a:p>
+            <a:endParaRPr lang="pt-BR" dirty="0"/>
+          </a:p>
+        </p:txBody>
+      </p:sp>
+    </p:spTree>
+    <p:extLst>
+      <p:ext uri="{BB962C8B-B14F-4D97-AF65-F5344CB8AC3E}">
+        <p14:creationId xmlns:p14="http://schemas.microsoft.com/office/powerpoint/2010/main" val="3646797148"/>
+      </p:ext>
+    </p:extLst>
+  </p:cSld>
+  <p:clrMapOvr>
+    <a:masterClrMapping/>
+  </p:clrMapOvr>
+</p:sld>
+</file>
+
 <file path=ppt/slides/slide2.xml><?xml version="1.0" encoding="utf-8"?>
 <p:sld xmlns:a="http://schemas.openxmlformats.org/drawingml/2006/main" xmlns:r="http://schemas.openxmlformats.org/officeDocument/2006/relationships" xmlns:p="http://schemas.openxmlformats.org/presentationml/2006/main">
   <p:cSld>
@@ -3222,12 +3341,18 @@
         </p:nvSpPr>
         <p:spPr/>
         <p:txBody>
-          <a:bodyPr/>
+          <a:bodyPr>
+            <a:normAutofit fontScale="90000"/>
+          </a:bodyPr>
           <a:lstStyle/>
           <a:p>
             <a:r>
               <a:rPr lang="pt-BR" dirty="0" smtClean="0"/>
-              <a:t>Compreensão do Negócio</a:t>
+              <a:t>Recapitulação da Compreensão e Objetivos do </a:t>
+            </a:r>
+            <a:r>
+              <a:rPr lang="pt-BR" dirty="0" smtClean="0"/>
+              <a:t>Negócio</a:t>
             </a:r>
             <a:endParaRPr lang="pt-BR" dirty="0"/>
           </a:p>
@@ -3243,57 +3368,429 @@
             <p:ph idx="1"/>
           </p:nvPr>
         </p:nvSpPr>
-        <p:spPr/>
-        <p:txBody>
-          <a:bodyPr/>
-          <a:lstStyle/>
-          <a:p>
-            <a:r>
-              <a:rPr lang="pt-BR" dirty="0" smtClean="0"/>
-              <a:t>Bolsa de Valores</a:t>
-            </a:r>
-          </a:p>
-          <a:p>
-            <a:pPr lvl="1"/>
-            <a:r>
-              <a:rPr lang="pt-BR" dirty="0" smtClean="0"/>
-              <a:t>Operações de compra e venda de ações.</a:t>
-            </a:r>
-          </a:p>
-          <a:p>
-            <a:r>
-              <a:rPr lang="pt-BR" dirty="0" smtClean="0"/>
-              <a:t>Ação dos investidores</a:t>
-            </a:r>
-          </a:p>
-          <a:p>
-            <a:pPr lvl="1"/>
-            <a:r>
-              <a:rPr lang="pt-BR" dirty="0" smtClean="0"/>
-              <a:t>Lei da oferta e procura.</a:t>
-            </a:r>
+        <p:spPr>
+          <a:xfrm>
+            <a:off x="457200" y="1623216"/>
+            <a:ext cx="8229600" cy="4525963"/>
+          </a:xfrm>
+        </p:spPr>
+        <p:txBody>
+          <a:bodyPr>
+            <a:normAutofit/>
+          </a:bodyPr>
+          <a:lstStyle/>
+          <a:p>
+            <a:r>
+              <a:rPr lang="pt-BR" sz="2800" dirty="0" smtClean="0"/>
+              <a:t>Objetivo: Encontrar </a:t>
+            </a:r>
+            <a:r>
+              <a:rPr lang="pt-BR" sz="2800" dirty="0"/>
+              <a:t>uma relação </a:t>
+            </a:r>
+            <a:r>
+              <a:rPr lang="pt-BR" sz="2800" dirty="0" smtClean="0"/>
+              <a:t>entre o </a:t>
+            </a:r>
+            <a:r>
+              <a:rPr lang="pt-BR" sz="2800" dirty="0"/>
+              <a:t>assunto das principais </a:t>
+            </a:r>
+            <a:r>
+              <a:rPr lang="pt-BR" sz="2800" dirty="0" smtClean="0"/>
+              <a:t>notícias de </a:t>
+            </a:r>
+            <a:r>
+              <a:rPr lang="pt-BR" sz="2800" dirty="0"/>
+              <a:t>jornal publicadas ao longo </a:t>
+            </a:r>
+            <a:r>
+              <a:rPr lang="pt-BR" sz="2800" dirty="0" smtClean="0"/>
+              <a:t>de um </a:t>
+            </a:r>
+            <a:r>
+              <a:rPr lang="pt-BR" sz="2800" dirty="0"/>
+              <a:t>dia e a variação do </a:t>
+            </a:r>
+            <a:r>
+              <a:rPr lang="pt-BR" sz="2800" dirty="0" smtClean="0"/>
+              <a:t>índice Dow </a:t>
+            </a:r>
+            <a:r>
+              <a:rPr lang="pt-BR" sz="2800" dirty="0"/>
+              <a:t>Jones.</a:t>
+            </a:r>
+          </a:p>
+          <a:p>
             <a:endParaRPr lang="pt-BR" dirty="0"/>
           </a:p>
-          <a:p>
-            <a:r>
-              <a:rPr lang="pt-BR" dirty="0" smtClean="0"/>
-              <a:t>Busca por informação</a:t>
-            </a:r>
-          </a:p>
-          <a:p>
-            <a:pPr lvl="1"/>
-            <a:r>
-              <a:rPr lang="pt-BR" dirty="0" smtClean="0"/>
-              <a:t>Resultado das empresas.</a:t>
-            </a:r>
-          </a:p>
-          <a:p>
-            <a:pPr lvl="1"/>
-            <a:r>
-              <a:rPr lang="pt-BR" dirty="0" smtClean="0"/>
-              <a:t>Panorama geral político e econômico.</a:t>
-            </a:r>
-            <a:endParaRPr lang="pt-BR" dirty="0"/>
+        </p:txBody>
+      </p:sp>
+      <p:pic>
+        <p:nvPicPr>
+          <p:cNvPr id="1026" name="Picture 2"/>
+          <p:cNvPicPr>
+            <a:picLocks noChangeAspect="1" noChangeArrowheads="1"/>
+          </p:cNvPicPr>
+          <p:nvPr/>
+        </p:nvPicPr>
+        <p:blipFill>
+          <a:blip r:embed="rId2" cstate="print">
+            <a:extLst>
+              <a:ext uri="{28A0092B-C50C-407E-A947-70E740481C1C}">
+                <a14:useLocalDpi xmlns:a14="http://schemas.microsoft.com/office/drawing/2010/main" val="0"/>
+              </a:ext>
+            </a:extLst>
+          </a:blip>
+          <a:srcRect/>
+          <a:stretch>
+            <a:fillRect/>
+          </a:stretch>
+        </p:blipFill>
+        <p:spPr bwMode="auto">
+          <a:xfrm>
+            <a:off x="381000" y="3489270"/>
+            <a:ext cx="1943099" cy="497142"/>
+          </a:xfrm>
+          <a:prstGeom prst="rect">
+            <a:avLst/>
+          </a:prstGeom>
+          <a:noFill/>
+          <a:ln>
+            <a:noFill/>
+          </a:ln>
+          <a:effectLst/>
+          <a:extLst>
+            <a:ext uri="{909E8E84-426E-40DD-AFC4-6F175D3DCCD1}">
+              <a14:hiddenFill xmlns:a14="http://schemas.microsoft.com/office/drawing/2010/main">
+                <a:solidFill>
+                  <a:schemeClr val="accent1"/>
+                </a:solidFill>
+              </a14:hiddenFill>
+            </a:ext>
+            <a:ext uri="{91240B29-F687-4F45-9708-019B960494DF}">
+              <a14:hiddenLine xmlns:a14="http://schemas.microsoft.com/office/drawing/2010/main" w="9525">
+                <a:solidFill>
+                  <a:schemeClr val="tx1"/>
+                </a:solidFill>
+                <a:miter lim="800000"/>
+                <a:headEnd/>
+                <a:tailEnd/>
+              </a14:hiddenLine>
+            </a:ext>
+            <a:ext uri="{AF507438-7753-43E0-B8FC-AC1667EBCBE1}">
+              <a14:hiddenEffects xmlns:a14="http://schemas.microsoft.com/office/drawing/2010/main">
+                <a:effectLst>
+                  <a:outerShdw dist="35921" dir="2700000" algn="ctr" rotWithShape="0">
+                    <a:schemeClr val="bg2"/>
+                  </a:outerShdw>
+                </a:effectLst>
+              </a14:hiddenEffects>
+            </a:ext>
+          </a:extLst>
+        </p:spPr>
+      </p:pic>
+      <p:pic>
+        <p:nvPicPr>
+          <p:cNvPr id="1028" name="Picture 4" descr="http://www.outsidethebeltway.com/wp-content/uploads/2017/08/dow-jones-industrial-average-last-10-years-2017-08-05-macrotrends.png"/>
+          <p:cNvPicPr>
+            <a:picLocks noChangeAspect="1" noChangeArrowheads="1"/>
+          </p:cNvPicPr>
+          <p:nvPr/>
+        </p:nvPicPr>
+        <p:blipFill>
+          <a:blip r:embed="rId3" cstate="print">
+            <a:extLst>
+              <a:ext uri="{28A0092B-C50C-407E-A947-70E740481C1C}">
+                <a14:useLocalDpi xmlns:a14="http://schemas.microsoft.com/office/drawing/2010/main" val="0"/>
+              </a:ext>
+            </a:extLst>
+          </a:blip>
+          <a:srcRect/>
+          <a:stretch>
+            <a:fillRect/>
+          </a:stretch>
+        </p:blipFill>
+        <p:spPr bwMode="auto">
+          <a:xfrm>
+            <a:off x="4038599" y="4779206"/>
+            <a:ext cx="2000127" cy="1261341"/>
+          </a:xfrm>
+          <a:prstGeom prst="rect">
+            <a:avLst/>
+          </a:prstGeom>
+          <a:noFill/>
+          <a:extLst>
+            <a:ext uri="{909E8E84-426E-40DD-AFC4-6F175D3DCCD1}">
+              <a14:hiddenFill xmlns:a14="http://schemas.microsoft.com/office/drawing/2010/main">
+                <a:solidFill>
+                  <a:srgbClr val="FFFFFF"/>
+                </a:solidFill>
+              </a14:hiddenFill>
+            </a:ext>
+          </a:extLst>
+        </p:spPr>
+      </p:pic>
+      <p:pic>
+        <p:nvPicPr>
+          <p:cNvPr id="1030" name="Picture 6" descr="https://static.winflare.com/wp-content/uploads/2017/10/reddit-combo-1920-800x450.png"/>
+          <p:cNvPicPr>
+            <a:picLocks noChangeAspect="1" noChangeArrowheads="1"/>
+          </p:cNvPicPr>
+          <p:nvPr/>
+        </p:nvPicPr>
+        <p:blipFill>
+          <a:blip r:embed="rId4" cstate="print">
+            <a:extLst>
+              <a:ext uri="{28A0092B-C50C-407E-A947-70E740481C1C}">
+                <a14:useLocalDpi xmlns:a14="http://schemas.microsoft.com/office/drawing/2010/main" val="0"/>
+              </a:ext>
+            </a:extLst>
+          </a:blip>
+          <a:srcRect/>
+          <a:stretch>
+            <a:fillRect/>
+          </a:stretch>
+        </p:blipFill>
+        <p:spPr bwMode="auto">
+          <a:xfrm>
+            <a:off x="380999" y="4779989"/>
+            <a:ext cx="1943099" cy="1092994"/>
+          </a:xfrm>
+          <a:prstGeom prst="rect">
+            <a:avLst/>
+          </a:prstGeom>
+          <a:noFill/>
+          <a:extLst>
+            <a:ext uri="{909E8E84-426E-40DD-AFC4-6F175D3DCCD1}">
+              <a14:hiddenFill xmlns:a14="http://schemas.microsoft.com/office/drawing/2010/main">
+                <a:solidFill>
+                  <a:srgbClr val="FFFFFF"/>
+                </a:solidFill>
+              </a14:hiddenFill>
+            </a:ext>
+          </a:extLst>
+        </p:spPr>
+      </p:pic>
+      <p:sp>
+        <p:nvSpPr>
+          <p:cNvPr id="4" name="Right Arrow 3"/>
+          <p:cNvSpPr/>
+          <p:nvPr/>
+        </p:nvSpPr>
+        <p:spPr>
+          <a:xfrm>
+            <a:off x="2667000" y="4190217"/>
+            <a:ext cx="1066800" cy="588989"/>
+          </a:xfrm>
+          <a:prstGeom prst="rightArrow">
+            <a:avLst/>
+          </a:prstGeom>
+        </p:spPr>
+        <p:style>
+          <a:lnRef idx="2">
+            <a:schemeClr val="accent1">
+              <a:shade val="50000"/>
+            </a:schemeClr>
+          </a:lnRef>
+          <a:fillRef idx="1">
+            <a:schemeClr val="accent1"/>
+          </a:fillRef>
+          <a:effectRef idx="0">
+            <a:schemeClr val="accent1"/>
+          </a:effectRef>
+          <a:fontRef idx="minor">
+            <a:schemeClr val="lt1"/>
+          </a:fontRef>
+        </p:style>
+        <p:txBody>
+          <a:bodyPr rtlCol="0" anchor="ctr"/>
+          <a:lstStyle/>
+          <a:p>
+            <a:pPr algn="ctr"/>
+            <a:endParaRPr lang="pt-BR"/>
+          </a:p>
+        </p:txBody>
+      </p:sp>
+      <p:pic>
+        <p:nvPicPr>
+          <p:cNvPr id="1032" name="Picture 8" descr="http://www.thehindu.com/opinion/op-ed/article19253786.ece/alternates/FREE_660/Th11-Paper%20money"/>
+          <p:cNvPicPr>
+            <a:picLocks noChangeAspect="1" noChangeArrowheads="1"/>
+          </p:cNvPicPr>
+          <p:nvPr/>
+        </p:nvPicPr>
+        <p:blipFill>
+          <a:blip r:embed="rId5" cstate="print">
+            <a:extLst>
+              <a:ext uri="{28A0092B-C50C-407E-A947-70E740481C1C}">
+                <a14:useLocalDpi xmlns:a14="http://schemas.microsoft.com/office/drawing/2010/main" val="0"/>
+              </a:ext>
+            </a:extLst>
+          </a:blip>
+          <a:srcRect/>
+          <a:stretch>
+            <a:fillRect/>
+          </a:stretch>
+        </p:blipFill>
+        <p:spPr bwMode="auto">
+          <a:xfrm>
+            <a:off x="7315200" y="3886198"/>
+            <a:ext cx="1461582" cy="1306566"/>
+          </a:xfrm>
+          <a:prstGeom prst="rect">
+            <a:avLst/>
+          </a:prstGeom>
+          <a:noFill/>
+          <a:extLst>
+            <a:ext uri="{909E8E84-426E-40DD-AFC4-6F175D3DCCD1}">
+              <a14:hiddenFill xmlns:a14="http://schemas.microsoft.com/office/drawing/2010/main">
+                <a:solidFill>
+                  <a:srgbClr val="FFFFFF"/>
+                </a:solidFill>
+              </a14:hiddenFill>
+            </a:ext>
+          </a:extLst>
+        </p:spPr>
+      </p:pic>
+      <p:sp>
+        <p:nvSpPr>
+          <p:cNvPr id="5" name="TextBox 4"/>
+          <p:cNvSpPr txBox="1"/>
+          <p:nvPr/>
+        </p:nvSpPr>
+        <p:spPr>
+          <a:xfrm>
+            <a:off x="1009648" y="3737841"/>
+            <a:ext cx="590551" cy="1200329"/>
+          </a:xfrm>
+          <a:prstGeom prst="rect">
+            <a:avLst/>
+          </a:prstGeom>
+          <a:noFill/>
+        </p:spPr>
+        <p:txBody>
+          <a:bodyPr wrap="square" rtlCol="0">
+            <a:spAutoFit/>
+          </a:bodyPr>
+          <a:lstStyle/>
+          <a:p>
+            <a:r>
+              <a:rPr lang="pt-BR" sz="7200" b="1" dirty="0" smtClean="0"/>
+              <a:t>+</a:t>
+            </a:r>
+            <a:endParaRPr lang="pt-BR" b="1" dirty="0"/>
+          </a:p>
+        </p:txBody>
+      </p:sp>
+      <p:sp>
+        <p:nvSpPr>
+          <p:cNvPr id="10" name="Right Arrow 9"/>
+          <p:cNvSpPr/>
+          <p:nvPr/>
+        </p:nvSpPr>
+        <p:spPr>
+          <a:xfrm>
+            <a:off x="6172200" y="4222373"/>
+            <a:ext cx="1066800" cy="588989"/>
+          </a:xfrm>
+          <a:prstGeom prst="rightArrow">
+            <a:avLst/>
+          </a:prstGeom>
+        </p:spPr>
+        <p:style>
+          <a:lnRef idx="2">
+            <a:schemeClr val="accent1">
+              <a:shade val="50000"/>
+            </a:schemeClr>
+          </a:lnRef>
+          <a:fillRef idx="1">
+            <a:schemeClr val="accent1"/>
+          </a:fillRef>
+          <a:effectRef idx="0">
+            <a:schemeClr val="accent1"/>
+          </a:effectRef>
+          <a:fontRef idx="minor">
+            <a:schemeClr val="lt1"/>
+          </a:fontRef>
+        </p:style>
+        <p:txBody>
+          <a:bodyPr rtlCol="0" anchor="ctr"/>
+          <a:lstStyle/>
+          <a:p>
+            <a:pPr algn="ctr"/>
+            <a:endParaRPr lang="pt-BR"/>
+          </a:p>
+        </p:txBody>
+      </p:sp>
+      <p:pic>
+        <p:nvPicPr>
+          <p:cNvPr id="1034" name="Picture 10" descr="https://steemit-production-imageproxy-upload.s3.amazonaws.com/DQmY3p4xqipDy6unqbH6wtA41NfPKVGeWasQJAidYuB2Jbu"/>
+          <p:cNvPicPr>
+            <a:picLocks noChangeAspect="1" noChangeArrowheads="1"/>
+          </p:cNvPicPr>
+          <p:nvPr/>
+        </p:nvPicPr>
+        <p:blipFill>
+          <a:blip r:embed="rId6" cstate="print">
+            <a:extLst>
+              <a:ext uri="{28A0092B-C50C-407E-A947-70E740481C1C}">
+                <a14:useLocalDpi xmlns:a14="http://schemas.microsoft.com/office/drawing/2010/main" val="0"/>
+              </a:ext>
+            </a:extLst>
+          </a:blip>
+          <a:srcRect/>
+          <a:stretch>
+            <a:fillRect/>
+          </a:stretch>
+        </p:blipFill>
+        <p:spPr bwMode="auto">
+          <a:xfrm>
+            <a:off x="4038599" y="3124200"/>
+            <a:ext cx="2018026" cy="1009013"/>
+          </a:xfrm>
+          <a:prstGeom prst="rect">
+            <a:avLst/>
+          </a:prstGeom>
+          <a:noFill/>
+          <a:extLst>
+            <a:ext uri="{909E8E84-426E-40DD-AFC4-6F175D3DCCD1}">
+              <a14:hiddenFill xmlns:a14="http://schemas.microsoft.com/office/drawing/2010/main">
+                <a:solidFill>
+                  <a:srgbClr val="FFFFFF"/>
+                </a:solidFill>
+              </a14:hiddenFill>
+            </a:ext>
+          </a:extLst>
+        </p:spPr>
+      </p:pic>
+      <p:sp>
+        <p:nvSpPr>
+          <p:cNvPr id="12" name="TextBox 11"/>
+          <p:cNvSpPr txBox="1"/>
+          <p:nvPr/>
+        </p:nvSpPr>
+        <p:spPr>
+          <a:xfrm>
+            <a:off x="4714811" y="3770456"/>
+            <a:ext cx="590551" cy="1200329"/>
+          </a:xfrm>
+          <a:prstGeom prst="rect">
+            <a:avLst/>
+          </a:prstGeom>
+          <a:noFill/>
+        </p:spPr>
+        <p:txBody>
+          <a:bodyPr wrap="square" rtlCol="0">
+            <a:spAutoFit/>
+          </a:bodyPr>
+          <a:lstStyle/>
+          <a:p>
+            <a:r>
+              <a:rPr lang="pt-BR" sz="7200" b="1" dirty="0" smtClean="0"/>
+              <a:t>+</a:t>
+            </a:r>
+            <a:endParaRPr lang="pt-BR" b="1" dirty="0"/>
           </a:p>
         </p:txBody>
       </p:sp>
@@ -3344,7 +3841,11 @@
           <a:p>
             <a:r>
               <a:rPr lang="pt-BR" dirty="0" smtClean="0"/>
-              <a:t>Objetivos de Mineração</a:t>
+              <a:t>Classificador de </a:t>
+            </a:r>
+            <a:r>
+              <a:rPr lang="pt-BR" dirty="0" smtClean="0"/>
+              <a:t>Notícias</a:t>
             </a:r>
             <a:endParaRPr lang="pt-BR" dirty="0"/>
           </a:p>
@@ -3362,72 +3863,70 @@
         </p:nvSpPr>
         <p:spPr/>
         <p:txBody>
-          <a:bodyPr/>
-          <a:lstStyle/>
+          <a:bodyPr>
+            <a:normAutofit/>
+          </a:bodyPr>
+          <a:lstStyle/>
+          <a:p>
+            <a:endParaRPr lang="pt-BR" i="1" dirty="0" smtClean="0"/>
+          </a:p>
+          <a:p>
+            <a:r>
+              <a:rPr lang="pt-BR" i="1" dirty="0" smtClean="0"/>
+              <a:t>Headers</a:t>
+            </a:r>
+            <a:r>
+              <a:rPr lang="pt-BR" dirty="0" smtClean="0"/>
+              <a:t> </a:t>
+            </a:r>
+            <a:r>
+              <a:rPr lang="pt-BR" dirty="0"/>
+              <a:t>de notícias publicadas no jornal The New York Times </a:t>
+            </a:r>
+            <a:r>
+              <a:rPr lang="pt-BR" dirty="0" smtClean="0"/>
+              <a:t>(de 1996 </a:t>
+            </a:r>
+            <a:r>
+              <a:rPr lang="pt-BR" dirty="0"/>
+              <a:t>a 2006</a:t>
+            </a:r>
+            <a:r>
+              <a:rPr lang="pt-BR" dirty="0" smtClean="0"/>
+              <a:t>).</a:t>
+            </a:r>
+          </a:p>
+          <a:p>
+            <a:r>
+              <a:rPr lang="pt-BR" dirty="0" smtClean="0"/>
+              <a:t>27 rótulos de notícias.</a:t>
+            </a:r>
+          </a:p>
           <a:p>
             <a:endParaRPr lang="pt-BR" dirty="0" smtClean="0"/>
           </a:p>
           <a:p>
-            <a:r>
-              <a:rPr lang="pt-BR" sz="2800" dirty="0" smtClean="0"/>
-              <a:t>Encontrar uma relação entre</a:t>
-            </a:r>
-          </a:p>
-          <a:p>
-            <a:pPr marL="0" indent="0">
+            <a:pPr marL="914400" lvl="2" indent="0">
               <a:buNone/>
             </a:pPr>
-            <a:r>
-              <a:rPr lang="pt-BR" sz="2800" dirty="0" smtClean="0"/>
-              <a:t>o assunto das principais notícias</a:t>
-            </a:r>
-          </a:p>
-          <a:p>
-            <a:pPr marL="0" indent="0">
-              <a:buNone/>
-            </a:pPr>
-            <a:r>
-              <a:rPr lang="pt-BR" sz="2800" dirty="0" smtClean="0"/>
-              <a:t>de jornal publicadas ao longo de</a:t>
-            </a:r>
-          </a:p>
-          <a:p>
-            <a:pPr marL="0" indent="0">
-              <a:buNone/>
-            </a:pPr>
-            <a:r>
-              <a:rPr lang="pt-BR" sz="2800" dirty="0" smtClean="0"/>
-              <a:t>um dia e a variação do índice</a:t>
-            </a:r>
-          </a:p>
-          <a:p>
-            <a:pPr marL="0" indent="0">
-              <a:buNone/>
-            </a:pPr>
-            <a:r>
-              <a:rPr lang="pt-BR" sz="2800" dirty="0" smtClean="0"/>
-              <a:t>Down Jones.</a:t>
-            </a:r>
-          </a:p>
-          <a:p>
-            <a:r>
-              <a:rPr lang="pt-BR" sz="2800" dirty="0" smtClean="0"/>
-              <a:t>Ferramentas utilizadas no projeto: Python e R.</a:t>
-            </a:r>
-            <a:endParaRPr lang="pt-BR" sz="2800" dirty="0"/>
+            <a:endParaRPr lang="pt-BR" dirty="0" smtClean="0"/>
+          </a:p>
+          <a:p>
+            <a:pPr lvl="1"/>
+            <a:endParaRPr lang="pt-BR" dirty="0"/>
           </a:p>
         </p:txBody>
       </p:sp>
       <p:pic>
         <p:nvPicPr>
-          <p:cNvPr id="4" name="Picture 3" descr="C:\Users\Matheus\Desktop\Fig_1.PNG"/>
+          <p:cNvPr id="2050" name="Picture 2" descr="http://is3.mzstatic.com/image/thumb/Purple128/v4/b6/7a/ae/b67aae4a-853f-deab-ea94-43d869394137/source/1200x630bb.jpg"/>
           <p:cNvPicPr>
             <a:picLocks noChangeAspect="1" noChangeArrowheads="1"/>
           </p:cNvPicPr>
           <p:nvPr/>
         </p:nvPicPr>
         <p:blipFill>
-          <a:blip r:embed="rId2">
+          <a:blip r:embed="rId2" cstate="print">
             <a:extLst>
               <a:ext uri="{28A0092B-C50C-407E-A947-70E740481C1C}">
                 <a14:useLocalDpi xmlns:a14="http://schemas.microsoft.com/office/drawing/2010/main" val="0"/>
@@ -3441,8 +3940,49 @@
         </p:blipFill>
         <p:spPr bwMode="auto">
           <a:xfrm>
-            <a:off x="5410200" y="2438400"/>
-            <a:ext cx="3191036" cy="1602710"/>
+            <a:off x="914400" y="4191000"/>
+            <a:ext cx="1447800" cy="1447800"/>
+          </a:xfrm>
+          <a:prstGeom prst="rect">
+            <a:avLst/>
+          </a:prstGeom>
+          <a:noFill/>
+          <a:extLst>
+            <a:ext uri="{909E8E84-426E-40DD-AFC4-6F175D3DCCD1}">
+              <a14:hiddenFill xmlns:a14="http://schemas.microsoft.com/office/drawing/2010/main">
+                <a:solidFill>
+                  <a:srgbClr val="FFFFFF"/>
+                </a:solidFill>
+              </a14:hiddenFill>
+            </a:ext>
+          </a:extLst>
+        </p:spPr>
+      </p:pic>
+      <p:pic>
+        <p:nvPicPr>
+          <p:cNvPr id="2051" name="Picture 3" descr="C:\Users\Matheus\Desktop\c1.PNG"/>
+          <p:cNvPicPr>
+            <a:picLocks noChangeAspect="1" noChangeArrowheads="1"/>
+          </p:cNvPicPr>
+          <p:nvPr/>
+        </p:nvPicPr>
+        <p:blipFill>
+          <a:blip r:embed="rId3">
+            <a:extLst>
+              <a:ext uri="{28A0092B-C50C-407E-A947-70E740481C1C}">
+                <a14:useLocalDpi xmlns:a14="http://schemas.microsoft.com/office/drawing/2010/main" val="0"/>
+              </a:ext>
+            </a:extLst>
+          </a:blip>
+          <a:srcRect/>
+          <a:stretch>
+            <a:fillRect/>
+          </a:stretch>
+        </p:blipFill>
+        <p:spPr bwMode="auto">
+          <a:xfrm>
+            <a:off x="3276600" y="4181475"/>
+            <a:ext cx="4329113" cy="1431925"/>
           </a:xfrm>
           <a:prstGeom prst="rect">
             <a:avLst/>
@@ -3462,7 +4002,7 @@
     </p:spTree>
     <p:extLst>
       <p:ext uri="{BB962C8B-B14F-4D97-AF65-F5344CB8AC3E}">
-        <p14:creationId xmlns:p14="http://schemas.microsoft.com/office/powerpoint/2010/main" val="3322301923"/>
+        <p14:creationId xmlns:p14="http://schemas.microsoft.com/office/powerpoint/2010/main" val="3167209071"/>
       </p:ext>
     </p:extLst>
   </p:cSld>
@@ -3506,7 +4046,7 @@
           <a:p>
             <a:r>
               <a:rPr lang="pt-BR" dirty="0" smtClean="0"/>
-              <a:t>Escolha dos Dados</a:t>
+              <a:t>Classificador NYT</a:t>
             </a:r>
             <a:endParaRPr lang="pt-BR" dirty="0"/>
           </a:p>
@@ -3524,73 +4064,121 @@
         </p:nvSpPr>
         <p:spPr/>
         <p:txBody>
-          <a:bodyPr>
-            <a:normAutofit lnSpcReduction="10000"/>
-          </a:bodyPr>
+          <a:bodyPr/>
           <a:lstStyle/>
           <a:p>
             <a:r>
               <a:rPr lang="pt-BR" dirty="0" smtClean="0"/>
-              <a:t>Fonte dados da bolsa de Valores:</a:t>
-            </a:r>
-          </a:p>
-          <a:p>
-            <a:pPr lvl="1"/>
+              <a:t>Tokenização.</a:t>
+            </a:r>
+          </a:p>
+          <a:p>
             <a:r>
               <a:rPr lang="pt-BR" dirty="0" smtClean="0"/>
-              <a:t>Índice Down Jones Industrial Average</a:t>
-            </a:r>
-          </a:p>
-          <a:p>
-            <a:pPr lvl="2"/>
+              <a:t>Tfidf.</a:t>
+            </a:r>
+          </a:p>
+          <a:p>
             <a:r>
               <a:rPr lang="pt-BR" dirty="0" smtClean="0"/>
-              <a:t>Cotação média das 30 maiores empresas dos E.U.A.</a:t>
+              <a:t>Algoritmo de classificação Naive Bayes.</a:t>
             </a:r>
           </a:p>
           <a:p>
             <a:r>
               <a:rPr lang="pt-BR" dirty="0" smtClean="0"/>
-              <a:t>Fonte das manchetes de notícias:</a:t>
-            </a:r>
-          </a:p>
-          <a:p>
-            <a:pPr lvl="1"/>
+              <a:t>Algoritmo de classificação Random Forest.</a:t>
+            </a:r>
+          </a:p>
+          <a:p>
             <a:r>
               <a:rPr lang="pt-BR" dirty="0" smtClean="0"/>
-              <a:t>Reddit WolrdNews</a:t>
-            </a:r>
-          </a:p>
-          <a:p>
-            <a:pPr lvl="2"/>
-            <a:r>
-              <a:rPr lang="pt-BR" dirty="0" smtClean="0"/>
-              <a:t>As 25 notícias mundias mais quentes do dia, ranqueada pelos usuários do Reddit.</a:t>
-            </a:r>
-          </a:p>
-          <a:p>
-            <a:r>
-              <a:rPr lang="pt-BR" dirty="0" smtClean="0"/>
-              <a:t>Intervalo de tempo: </a:t>
-            </a:r>
-          </a:p>
-          <a:p>
-            <a:pPr lvl="1"/>
-            <a:r>
-              <a:rPr lang="pt-BR" dirty="0" smtClean="0"/>
-              <a:t>De 08/08/2008 a 07/01/2016</a:t>
-            </a:r>
+              <a:t>70% treino e 30% teste.</a:t>
+            </a:r>
+          </a:p>
+          <a:p>
             <a:endParaRPr lang="pt-BR" dirty="0"/>
           </a:p>
-          <a:p>
-            <a:endParaRPr lang="pt-BR" dirty="0"/>
-          </a:p>
-        </p:txBody>
-      </p:sp>
+        </p:txBody>
+      </p:sp>
+      <p:pic>
+        <p:nvPicPr>
+          <p:cNvPr id="3074" name="Picture 2" descr="C:\Users\Matheus\Desktop\c2.PNG"/>
+          <p:cNvPicPr>
+            <a:picLocks noChangeAspect="1" noChangeArrowheads="1"/>
+          </p:cNvPicPr>
+          <p:nvPr/>
+        </p:nvPicPr>
+        <p:blipFill>
+          <a:blip r:embed="rId2">
+            <a:extLst>
+              <a:ext uri="{28A0092B-C50C-407E-A947-70E740481C1C}">
+                <a14:useLocalDpi xmlns:a14="http://schemas.microsoft.com/office/drawing/2010/main" val="0"/>
+              </a:ext>
+            </a:extLst>
+          </a:blip>
+          <a:srcRect/>
+          <a:stretch>
+            <a:fillRect/>
+          </a:stretch>
+        </p:blipFill>
+        <p:spPr bwMode="auto">
+          <a:xfrm>
+            <a:off x="3657600" y="1752600"/>
+            <a:ext cx="4481513" cy="936625"/>
+          </a:xfrm>
+          <a:prstGeom prst="rect">
+            <a:avLst/>
+          </a:prstGeom>
+          <a:noFill/>
+          <a:extLst>
+            <a:ext uri="{909E8E84-426E-40DD-AFC4-6F175D3DCCD1}">
+              <a14:hiddenFill xmlns:a14="http://schemas.microsoft.com/office/drawing/2010/main">
+                <a:solidFill>
+                  <a:srgbClr val="FFFFFF"/>
+                </a:solidFill>
+              </a14:hiddenFill>
+            </a:ext>
+          </a:extLst>
+        </p:spPr>
+      </p:pic>
+      <p:pic>
+        <p:nvPicPr>
+          <p:cNvPr id="5" name="Picture 4" descr="C:\Users\Matheus\Desktop\Capturar1.PNG"/>
+          <p:cNvPicPr/>
+          <p:nvPr/>
+        </p:nvPicPr>
+        <p:blipFill>
+          <a:blip r:embed="rId3">
+            <a:extLst>
+              <a:ext uri="{28A0092B-C50C-407E-A947-70E740481C1C}">
+                <a14:useLocalDpi xmlns:a14="http://schemas.microsoft.com/office/drawing/2010/main" val="0"/>
+              </a:ext>
+            </a:extLst>
+          </a:blip>
+          <a:srcRect/>
+          <a:stretch>
+            <a:fillRect/>
+          </a:stretch>
+        </p:blipFill>
+        <p:spPr bwMode="auto">
+          <a:xfrm>
+            <a:off x="1676400" y="4724399"/>
+            <a:ext cx="5715000" cy="1311499"/>
+          </a:xfrm>
+          <a:prstGeom prst="rect">
+            <a:avLst/>
+          </a:prstGeom>
+          <a:noFill/>
+          <a:ln>
+            <a:noFill/>
+          </a:ln>
+        </p:spPr>
+      </p:pic>
     </p:spTree>
     <p:extLst>
       <p:ext uri="{BB962C8B-B14F-4D97-AF65-F5344CB8AC3E}">
-        <p14:creationId xmlns:p14="http://schemas.microsoft.com/office/powerpoint/2010/main" val="244635129"/>
+        <p14:creationId xmlns:p14="http://schemas.microsoft.com/office/powerpoint/2010/main" val="1691035942"/>
       </p:ext>
     </p:extLst>
   </p:cSld>
@@ -3634,7 +4222,7 @@
           <a:p>
             <a:r>
               <a:rPr lang="pt-BR" dirty="0" smtClean="0"/>
-              <a:t>Classificador de Notícias</a:t>
+              <a:t>Resultados</a:t>
             </a:r>
             <a:endParaRPr lang="pt-BR" dirty="0"/>
           </a:p>
@@ -3650,99 +4238,122 @@
             <p:ph idx="1"/>
           </p:nvPr>
         </p:nvSpPr>
-        <p:spPr/>
-        <p:txBody>
-          <a:bodyPr>
-            <a:normAutofit/>
-          </a:bodyPr>
-          <a:lstStyle/>
-          <a:p>
-            <a:endParaRPr lang="pt-BR" i="1" dirty="0" smtClean="0"/>
-          </a:p>
-          <a:p>
-            <a:r>
-              <a:rPr lang="pt-BR" i="1" dirty="0" smtClean="0"/>
-              <a:t>Headers</a:t>
-            </a:r>
+        <p:spPr>
+          <a:xfrm>
+            <a:off x="457200" y="1219200"/>
+            <a:ext cx="8229600" cy="5334000"/>
+          </a:xfrm>
+        </p:spPr>
+        <p:txBody>
+          <a:bodyPr/>
+          <a:lstStyle/>
+          <a:p>
             <a:r>
               <a:rPr lang="pt-BR" dirty="0" smtClean="0"/>
-              <a:t> </a:t>
-            </a:r>
-            <a:r>
-              <a:rPr lang="pt-BR" dirty="0"/>
-              <a:t>de notícias publicadas no jornal The New York Times </a:t>
-            </a:r>
+              <a:t>Baixa precisão.</a:t>
+            </a:r>
+          </a:p>
+          <a:p>
             <a:r>
               <a:rPr lang="pt-BR" dirty="0" smtClean="0"/>
-              <a:t>(de 1996 </a:t>
-            </a:r>
-            <a:r>
-              <a:rPr lang="pt-BR" dirty="0"/>
-              <a:t>a 2006</a:t>
-            </a:r>
+              <a:t>14 de 27 classes foram reconhecidas.</a:t>
+            </a:r>
+          </a:p>
+          <a:p>
             <a:r>
               <a:rPr lang="pt-BR" dirty="0" smtClean="0"/>
-              <a:t>).</a:t>
-            </a:r>
-          </a:p>
-          <a:p>
-            <a:r>
-              <a:rPr lang="pt-BR" dirty="0" smtClean="0"/>
-              <a:t>Rotulados conforme o gênero </a:t>
-            </a:r>
-            <a:r>
-              <a:rPr lang="pt-BR" dirty="0"/>
-              <a:t>e </a:t>
-            </a:r>
-            <a:r>
-              <a:rPr lang="pt-BR" dirty="0" smtClean="0"/>
-              <a:t>subgênero.</a:t>
-            </a:r>
-          </a:p>
-          <a:p>
-            <a:pPr lvl="1"/>
-            <a:r>
-              <a:rPr lang="pt-BR" dirty="0" smtClean="0"/>
-              <a:t>Exemplo:</a:t>
-            </a:r>
-          </a:p>
-          <a:p>
-            <a:pPr lvl="2"/>
-            <a:r>
-              <a:rPr lang="pt-BR" dirty="0" smtClean="0"/>
-              <a:t>Gênero 1: Macroeconomia</a:t>
-            </a:r>
-          </a:p>
-          <a:p>
-            <a:pPr lvl="2"/>
-            <a:r>
-              <a:rPr lang="pt-BR" dirty="0" smtClean="0"/>
-              <a:t>Subgênero 101: Inflação, preços</a:t>
-            </a:r>
-          </a:p>
-          <a:p>
-            <a:pPr lvl="2"/>
-            <a:r>
-              <a:rPr lang="pt-BR" dirty="0" smtClean="0"/>
-              <a:t>Subgênero 103: Taxa de desemprego</a:t>
-            </a:r>
-          </a:p>
-          <a:p>
-            <a:pPr marL="914400" lvl="2" indent="0">
-              <a:buNone/>
-            </a:pPr>
-            <a:endParaRPr lang="pt-BR" dirty="0" smtClean="0"/>
-          </a:p>
-          <a:p>
-            <a:pPr lvl="1"/>
+              <a:t>Classes com sobrecarga.</a:t>
+            </a:r>
             <a:endParaRPr lang="pt-BR" dirty="0"/>
           </a:p>
         </p:txBody>
       </p:sp>
+      <p:pic>
+        <p:nvPicPr>
+          <p:cNvPr id="4098" name="Picture 2" descr="C:\Users\Matheus\Desktop\c3.PNG"/>
+          <p:cNvPicPr>
+            <a:picLocks noChangeAspect="1" noChangeArrowheads="1"/>
+          </p:cNvPicPr>
+          <p:nvPr/>
+        </p:nvPicPr>
+        <p:blipFill>
+          <a:blip r:embed="rId2">
+            <a:extLst>
+              <a:ext uri="{28A0092B-C50C-407E-A947-70E740481C1C}">
+                <a14:useLocalDpi xmlns:a14="http://schemas.microsoft.com/office/drawing/2010/main" val="0"/>
+              </a:ext>
+            </a:extLst>
+          </a:blip>
+          <a:srcRect/>
+          <a:stretch>
+            <a:fillRect/>
+          </a:stretch>
+        </p:blipFill>
+        <p:spPr bwMode="auto">
+          <a:xfrm>
+            <a:off x="2133600" y="3314130"/>
+            <a:ext cx="868363" cy="2293937"/>
+          </a:xfrm>
+          <a:prstGeom prst="rect">
+            <a:avLst/>
+          </a:prstGeom>
+          <a:noFill/>
+          <a:extLst>
+            <a:ext uri="{909E8E84-426E-40DD-AFC4-6F175D3DCCD1}">
+              <a14:hiddenFill xmlns:a14="http://schemas.microsoft.com/office/drawing/2010/main">
+                <a:solidFill>
+                  <a:srgbClr val="FFFFFF"/>
+                </a:solidFill>
+              </a14:hiddenFill>
+            </a:ext>
+          </a:extLst>
+        </p:spPr>
+      </p:pic>
+      <p:pic>
+        <p:nvPicPr>
+          <p:cNvPr id="4099" name="Picture 3" descr="C:\Users\Matheus\Desktop\c4.PNG"/>
+          <p:cNvPicPr>
+            <a:picLocks noChangeAspect="1" noChangeArrowheads="1"/>
+          </p:cNvPicPr>
+          <p:nvPr/>
+        </p:nvPicPr>
+        <p:blipFill>
+          <a:blip r:embed="rId3">
+            <a:extLst>
+              <a:ext uri="{28A0092B-C50C-407E-A947-70E740481C1C}">
+                <a14:useLocalDpi xmlns:a14="http://schemas.microsoft.com/office/drawing/2010/main" val="0"/>
+              </a:ext>
+            </a:extLst>
+          </a:blip>
+          <a:srcRect/>
+          <a:stretch>
+            <a:fillRect/>
+          </a:stretch>
+        </p:blipFill>
+        <p:spPr bwMode="auto">
+          <a:xfrm>
+            <a:off x="5198235" y="2559676"/>
+            <a:ext cx="3429000" cy="3802847"/>
+          </a:xfrm>
+          <a:prstGeom prst="rect">
+            <a:avLst/>
+          </a:prstGeom>
+          <a:noFill/>
+          <a:extLst>
+            <a:ext uri="{909E8E84-426E-40DD-AFC4-6F175D3DCCD1}">
+              <a14:hiddenFill xmlns:a14="http://schemas.microsoft.com/office/drawing/2010/main">
+                <a:solidFill>
+                  <a:srgbClr val="FFFFFF"/>
+                </a:solidFill>
+              </a14:hiddenFill>
+            </a:ext>
+          </a:extLst>
+        </p:spPr>
+      </p:pic>
     </p:spTree>
     <p:extLst>
       <p:ext uri="{BB962C8B-B14F-4D97-AF65-F5344CB8AC3E}">
-        <p14:creationId xmlns:p14="http://schemas.microsoft.com/office/powerpoint/2010/main" val="3167209071"/>
+        <p14:creationId xmlns:p14="http://schemas.microsoft.com/office/powerpoint/2010/main" val="3362847658"/>
       </p:ext>
     </p:extLst>
   </p:cSld>
@@ -3781,76 +4392,113 @@
         </p:nvSpPr>
         <p:spPr/>
         <p:txBody>
-          <a:bodyPr/>
+          <a:bodyPr>
+            <a:normAutofit fontScale="90000"/>
+          </a:bodyPr>
           <a:lstStyle/>
           <a:p>
             <a:r>
               <a:rPr lang="pt-BR" dirty="0" smtClean="0"/>
-              <a:t>Exploração dos dados</a:t>
-            </a:r>
+              <a:t>Classificação Preliminar Dow Jones 1</a:t>
+            </a:r>
+            <a:endParaRPr lang="pt-BR" dirty="0"/>
+          </a:p>
+        </p:txBody>
+      </p:sp>
+      <p:sp>
+        <p:nvSpPr>
+          <p:cNvPr id="3" name="Content Placeholder 2"/>
+          <p:cNvSpPr>
+            <a:spLocks noGrp="1"/>
+          </p:cNvSpPr>
+          <p:nvPr>
+            <p:ph idx="1"/>
+          </p:nvPr>
+        </p:nvSpPr>
+        <p:spPr/>
+        <p:txBody>
+          <a:bodyPr/>
+          <a:lstStyle/>
+          <a:p>
+            <a:r>
+              <a:rPr lang="pt-BR" dirty="0" smtClean="0"/>
+              <a:t>Uso das notícias Top 1 de cada dia.</a:t>
+            </a:r>
+          </a:p>
+          <a:p>
+            <a:r>
+              <a:rPr lang="pt-BR" dirty="0" smtClean="0"/>
+              <a:t>Divisão em intervalos de valores de variação.</a:t>
+            </a:r>
+          </a:p>
+          <a:p>
+            <a:r>
+              <a:rPr lang="pt-BR" dirty="0" smtClean="0"/>
+              <a:t>Intervalos com base no desvio padrão (7 intervalos).</a:t>
+            </a:r>
+          </a:p>
+          <a:p>
+            <a:endParaRPr lang="pt-BR" dirty="0" smtClean="0"/>
+          </a:p>
+          <a:p>
+            <a:endParaRPr lang="pt-BR" dirty="0" smtClean="0"/>
+          </a:p>
+          <a:p>
+            <a:pPr marL="0" indent="0">
+              <a:buNone/>
+            </a:pPr>
+            <a:endParaRPr lang="pt-BR" dirty="0" smtClean="0"/>
+          </a:p>
+          <a:p>
             <a:endParaRPr lang="pt-BR" dirty="0"/>
           </a:p>
         </p:txBody>
       </p:sp>
       <p:pic>
         <p:nvPicPr>
-          <p:cNvPr id="4" name="Imagem 3"/>
+          <p:cNvPr id="5122" name="Picture 2" descr="C:\Users\Matheus\Desktop\c5.PNG"/>
           <p:cNvPicPr>
-            <a:picLocks noGrp="1"/>
+            <a:picLocks noChangeAspect="1" noChangeArrowheads="1"/>
           </p:cNvPicPr>
-          <p:nvPr>
-            <p:ph idx="1"/>
-          </p:nvPr>
+          <p:nvPr/>
         </p:nvPicPr>
-        <p:blipFill rotWithShape="1">
-          <a:blip r:embed="rId2"/>
-          <a:srcRect t="8543" b="5575"/>
-          <a:stretch/>
+        <p:blipFill>
+          <a:blip r:embed="rId2">
+            <a:extLst>
+              <a:ext uri="{28A0092B-C50C-407E-A947-70E740481C1C}">
+                <a14:useLocalDpi xmlns:a14="http://schemas.microsoft.com/office/drawing/2010/main" val="0"/>
+              </a:ext>
+            </a:extLst>
+          </a:blip>
+          <a:srcRect/>
+          <a:stretch>
+            <a:fillRect/>
+          </a:stretch>
         </p:blipFill>
         <p:spPr bwMode="auto">
           <a:xfrm>
-            <a:off x="990600" y="1752600"/>
-            <a:ext cx="7239000" cy="2133600"/>
+            <a:off x="1143000" y="3886200"/>
+            <a:ext cx="6767514" cy="2209800"/>
           </a:xfrm>
           <a:prstGeom prst="rect">
             <a:avLst/>
           </a:prstGeom>
-          <a:ln>
-            <a:noFill/>
-          </a:ln>
+          <a:noFill/>
           <a:extLst>
-            <a:ext uri="{53640926-AAD7-44D8-BBD7-CCE9431645EC}">
-              <a14:shadowObscured xmlns:a14="http://schemas.microsoft.com/office/drawing/2010/main"/>
+            <a:ext uri="{909E8E84-426E-40DD-AFC4-6F175D3DCCD1}">
+              <a14:hiddenFill xmlns:a14="http://schemas.microsoft.com/office/drawing/2010/main">
+                <a:solidFill>
+                  <a:srgbClr val="FFFFFF"/>
+                </a:solidFill>
+              </a14:hiddenFill>
             </a:ext>
           </a:extLst>
-        </p:spPr>
-      </p:pic>
-      <p:pic>
-        <p:nvPicPr>
-          <p:cNvPr id="5" name="Imagem 7"/>
-          <p:cNvPicPr/>
-          <p:nvPr/>
-        </p:nvPicPr>
-        <p:blipFill>
-          <a:blip r:embed="rId3"/>
-          <a:stretch>
-            <a:fillRect/>
-          </a:stretch>
-        </p:blipFill>
-        <p:spPr>
-          <a:xfrm>
-            <a:off x="990600" y="3657600"/>
-            <a:ext cx="7239000" cy="2610453"/>
-          </a:xfrm>
-          <a:prstGeom prst="rect">
-            <a:avLst/>
-          </a:prstGeom>
         </p:spPr>
       </p:pic>
     </p:spTree>
     <p:extLst>
       <p:ext uri="{BB962C8B-B14F-4D97-AF65-F5344CB8AC3E}">
-        <p14:creationId xmlns:p14="http://schemas.microsoft.com/office/powerpoint/2010/main" val="3282002587"/>
+        <p14:creationId xmlns:p14="http://schemas.microsoft.com/office/powerpoint/2010/main" val="2044254952"/>
       </p:ext>
     </p:extLst>
   </p:cSld>
@@ -3894,1139 +4542,102 @@
           <a:p>
             <a:r>
               <a:rPr lang="pt-BR" dirty="0" smtClean="0"/>
-              <a:t>Pré-processamento 1</a:t>
+              <a:t>Resultado </a:t>
+            </a:r>
+            <a:r>
+              <a:rPr lang="pt-BR" dirty="0"/>
+              <a:t>Preliminar Dow Jones 1</a:t>
+            </a:r>
+            <a:r>
+              <a:rPr lang="pt-BR" dirty="0" smtClean="0"/>
+              <a:t> </a:t>
             </a:r>
             <a:endParaRPr lang="pt-BR" dirty="0"/>
           </a:p>
         </p:txBody>
       </p:sp>
-      <p:graphicFrame>
-        <p:nvGraphicFramePr>
-          <p:cNvPr id="4" name="Content Placeholder 3"/>
-          <p:cNvGraphicFramePr>
-            <a:graphicFrameLocks noGrp="1"/>
-          </p:cNvGraphicFramePr>
+      <p:sp>
+        <p:nvSpPr>
+          <p:cNvPr id="3" name="Content Placeholder 2"/>
+          <p:cNvSpPr>
+            <a:spLocks noGrp="1"/>
+          </p:cNvSpPr>
           <p:nvPr>
             <p:ph idx="1"/>
-            <p:extLst>
-              <p:ext uri="{D42A27DB-BD31-4B8C-83A1-F6EECF244321}">
-                <p14:modId xmlns:p14="http://schemas.microsoft.com/office/powerpoint/2010/main" val="2690281357"/>
-              </p:ext>
-            </p:extLst>
-          </p:nvPr>
-        </p:nvGraphicFramePr>
-        <p:xfrm>
-          <a:off x="457200" y="3048000"/>
-          <a:ext cx="8229601" cy="2133397"/>
-        </p:xfrm>
-        <a:graphic>
-          <a:graphicData uri="http://schemas.openxmlformats.org/drawingml/2006/table">
-            <a:tbl>
-              <a:tblPr firstRow="1" firstCol="1" bandRow="1">
-                <a:tableStyleId>{616DA210-FB5B-4158-B5E0-FEB733F419BA}</a:tableStyleId>
-              </a:tblPr>
-              <a:tblGrid>
-                <a:gridCol w="1066800"/>
-                <a:gridCol w="838200"/>
-                <a:gridCol w="856367"/>
-                <a:gridCol w="872011"/>
-                <a:gridCol w="872011"/>
-                <a:gridCol w="872011"/>
-                <a:gridCol w="1175800"/>
-                <a:gridCol w="677223"/>
-                <a:gridCol w="999178"/>
-              </a:tblGrid>
-              <a:tr h="456997">
-                <a:tc>
-                  <a:txBody>
-                    <a:bodyPr/>
-                    <a:lstStyle/>
-                    <a:p>
-                      <a:pPr algn="l">
-                        <a:lnSpc>
-                          <a:spcPct val="107000"/>
-                        </a:lnSpc>
-                        <a:spcAft>
-                          <a:spcPts val="0"/>
-                        </a:spcAft>
-                      </a:pPr>
-                      <a:r>
-                        <a:rPr lang="pt-BR" sz="1400" b="1" dirty="0" smtClean="0">
-                          <a:effectLst/>
-                        </a:rPr>
-                        <a:t>Date</a:t>
-                      </a:r>
-                      <a:endParaRPr lang="pt-BR" sz="1600" b="1" dirty="0">
-                        <a:effectLst/>
-                        <a:latin typeface="Arial"/>
-                        <a:ea typeface="Calibri"/>
-                        <a:cs typeface="Times New Roman"/>
-                      </a:endParaRPr>
-                    </a:p>
-                  </a:txBody>
-                  <a:tcPr marL="77965" marR="77965" marT="0" marB="0"/>
-                </a:tc>
-                <a:tc>
-                  <a:txBody>
-                    <a:bodyPr/>
-                    <a:lstStyle/>
-                    <a:p>
-                      <a:pPr algn="l">
-                        <a:lnSpc>
-                          <a:spcPct val="107000"/>
-                        </a:lnSpc>
-                        <a:spcAft>
-                          <a:spcPts val="0"/>
-                        </a:spcAft>
-                      </a:pPr>
-                      <a:r>
-                        <a:rPr lang="pt-BR" sz="1400" b="1">
-                          <a:effectLst/>
-                        </a:rPr>
-                        <a:t>Open</a:t>
-                      </a:r>
-                      <a:endParaRPr lang="pt-BR" sz="1600" b="1">
-                        <a:effectLst/>
-                        <a:latin typeface="Arial"/>
-                        <a:ea typeface="Calibri"/>
-                        <a:cs typeface="Times New Roman"/>
-                      </a:endParaRPr>
-                    </a:p>
-                  </a:txBody>
-                  <a:tcPr marL="77965" marR="77965" marT="0" marB="0"/>
-                </a:tc>
-                <a:tc>
-                  <a:txBody>
-                    <a:bodyPr/>
-                    <a:lstStyle/>
-                    <a:p>
-                      <a:pPr algn="l">
-                        <a:lnSpc>
-                          <a:spcPct val="107000"/>
-                        </a:lnSpc>
-                        <a:spcAft>
-                          <a:spcPts val="0"/>
-                        </a:spcAft>
-                      </a:pPr>
-                      <a:r>
-                        <a:rPr lang="pt-BR" sz="1400" b="1">
-                          <a:effectLst/>
-                        </a:rPr>
-                        <a:t>High</a:t>
-                      </a:r>
-                      <a:endParaRPr lang="pt-BR" sz="1600" b="1">
-                        <a:effectLst/>
-                        <a:latin typeface="Arial"/>
-                        <a:ea typeface="Calibri"/>
-                        <a:cs typeface="Times New Roman"/>
-                      </a:endParaRPr>
-                    </a:p>
-                  </a:txBody>
-                  <a:tcPr marL="77965" marR="77965" marT="0" marB="0"/>
-                </a:tc>
-                <a:tc>
-                  <a:txBody>
-                    <a:bodyPr/>
-                    <a:lstStyle/>
-                    <a:p>
-                      <a:pPr algn="l">
-                        <a:lnSpc>
-                          <a:spcPct val="107000"/>
-                        </a:lnSpc>
-                        <a:spcAft>
-                          <a:spcPts val="0"/>
-                        </a:spcAft>
-                      </a:pPr>
-                      <a:r>
-                        <a:rPr lang="pt-BR" sz="1400" b="1">
-                          <a:effectLst/>
-                        </a:rPr>
-                        <a:t>Low</a:t>
-                      </a:r>
-                      <a:endParaRPr lang="pt-BR" sz="1600" b="1">
-                        <a:effectLst/>
-                        <a:latin typeface="Arial"/>
-                        <a:ea typeface="Calibri"/>
-                        <a:cs typeface="Times New Roman"/>
-                      </a:endParaRPr>
-                    </a:p>
-                  </a:txBody>
-                  <a:tcPr marL="77965" marR="77965" marT="0" marB="0"/>
-                </a:tc>
-                <a:tc>
-                  <a:txBody>
-                    <a:bodyPr/>
-                    <a:lstStyle/>
-                    <a:p>
-                      <a:pPr algn="l">
-                        <a:lnSpc>
-                          <a:spcPct val="107000"/>
-                        </a:lnSpc>
-                        <a:spcAft>
-                          <a:spcPts val="0"/>
-                        </a:spcAft>
-                      </a:pPr>
-                      <a:r>
-                        <a:rPr lang="pt-BR" sz="1400" b="1">
-                          <a:effectLst/>
-                        </a:rPr>
-                        <a:t>Close</a:t>
-                      </a:r>
-                      <a:endParaRPr lang="pt-BR" sz="1600" b="1">
-                        <a:effectLst/>
-                        <a:latin typeface="Arial"/>
-                        <a:ea typeface="Calibri"/>
-                        <a:cs typeface="Times New Roman"/>
-                      </a:endParaRPr>
-                    </a:p>
-                  </a:txBody>
-                  <a:tcPr marL="77965" marR="77965" marT="0" marB="0"/>
-                </a:tc>
-                <a:tc>
-                  <a:txBody>
-                    <a:bodyPr/>
-                    <a:lstStyle/>
-                    <a:p>
-                      <a:pPr algn="l">
-                        <a:lnSpc>
-                          <a:spcPct val="107000"/>
-                        </a:lnSpc>
-                        <a:spcAft>
-                          <a:spcPts val="0"/>
-                        </a:spcAft>
-                      </a:pPr>
-                      <a:r>
-                        <a:rPr lang="pt-BR" sz="1400" b="1">
-                          <a:effectLst/>
-                        </a:rPr>
-                        <a:t>Var</a:t>
-                      </a:r>
-                      <a:endParaRPr lang="pt-BR" sz="1600" b="1">
-                        <a:effectLst/>
-                        <a:latin typeface="Arial"/>
-                        <a:ea typeface="Calibri"/>
-                        <a:cs typeface="Times New Roman"/>
-                      </a:endParaRPr>
-                    </a:p>
-                  </a:txBody>
-                  <a:tcPr marL="77965" marR="77965" marT="0" marB="0"/>
-                </a:tc>
-                <a:tc>
-                  <a:txBody>
-                    <a:bodyPr/>
-                    <a:lstStyle/>
-                    <a:p>
-                      <a:pPr algn="l">
-                        <a:lnSpc>
-                          <a:spcPct val="107000"/>
-                        </a:lnSpc>
-                        <a:spcAft>
-                          <a:spcPts val="0"/>
-                        </a:spcAft>
-                      </a:pPr>
-                      <a:r>
-                        <a:rPr lang="pt-BR" sz="1400" b="1">
-                          <a:effectLst/>
-                        </a:rPr>
-                        <a:t>Healine 25</a:t>
-                      </a:r>
-                      <a:endParaRPr lang="pt-BR" sz="1600" b="1">
-                        <a:effectLst/>
-                        <a:latin typeface="Arial"/>
-                        <a:ea typeface="Calibri"/>
-                        <a:cs typeface="Times New Roman"/>
-                      </a:endParaRPr>
-                    </a:p>
-                  </a:txBody>
-                  <a:tcPr marL="77965" marR="77965" marT="0" marB="0"/>
-                </a:tc>
-                <a:tc>
-                  <a:txBody>
-                    <a:bodyPr/>
-                    <a:lstStyle/>
-                    <a:p>
-                      <a:pPr algn="l">
-                        <a:lnSpc>
-                          <a:spcPct val="107000"/>
-                        </a:lnSpc>
-                        <a:spcAft>
-                          <a:spcPts val="0"/>
-                        </a:spcAft>
-                      </a:pPr>
-                      <a:r>
-                        <a:rPr lang="pt-BR" sz="1400" b="1">
-                          <a:effectLst/>
-                        </a:rPr>
-                        <a:t>...</a:t>
-                      </a:r>
-                      <a:endParaRPr lang="pt-BR" sz="1600" b="1">
-                        <a:effectLst/>
-                        <a:latin typeface="Arial"/>
-                        <a:ea typeface="Calibri"/>
-                        <a:cs typeface="Times New Roman"/>
-                      </a:endParaRPr>
-                    </a:p>
-                  </a:txBody>
-                  <a:tcPr marL="77965" marR="77965" marT="0" marB="0"/>
-                </a:tc>
-                <a:tc>
-                  <a:txBody>
-                    <a:bodyPr/>
-                    <a:lstStyle/>
-                    <a:p>
-                      <a:pPr algn="l">
-                        <a:lnSpc>
-                          <a:spcPct val="107000"/>
-                        </a:lnSpc>
-                        <a:spcAft>
-                          <a:spcPts val="0"/>
-                        </a:spcAft>
-                      </a:pPr>
-                      <a:r>
-                        <a:rPr lang="pt-BR" sz="1400" b="1">
-                          <a:effectLst/>
-                        </a:rPr>
-                        <a:t>Headline 1</a:t>
-                      </a:r>
-                      <a:endParaRPr lang="pt-BR" sz="1600" b="1">
-                        <a:effectLst/>
-                        <a:latin typeface="Arial"/>
-                        <a:ea typeface="Calibri"/>
-                        <a:cs typeface="Times New Roman"/>
-                      </a:endParaRPr>
-                    </a:p>
-                  </a:txBody>
-                  <a:tcPr marL="77965" marR="77965" marT="0" marB="0"/>
-                </a:tc>
-              </a:tr>
-              <a:tr h="686409">
-                <a:tc>
-                  <a:txBody>
-                    <a:bodyPr/>
-                    <a:lstStyle/>
-                    <a:p>
-                      <a:pPr algn="r">
-                        <a:lnSpc>
-                          <a:spcPct val="107000"/>
-                        </a:lnSpc>
-                        <a:spcAft>
-                          <a:spcPts val="0"/>
-                        </a:spcAft>
-                      </a:pPr>
-                      <a:r>
-                        <a:rPr lang="pt-BR" sz="1400" b="1" dirty="0">
-                          <a:effectLst/>
-                        </a:rPr>
-                        <a:t>01/07/2016</a:t>
-                      </a:r>
-                      <a:endParaRPr lang="pt-BR" sz="1600" b="1" dirty="0">
-                        <a:effectLst/>
-                        <a:latin typeface="Arial"/>
-                        <a:ea typeface="Calibri"/>
-                        <a:cs typeface="Times New Roman"/>
-                      </a:endParaRPr>
-                    </a:p>
-                  </a:txBody>
-                  <a:tcPr marL="77965" marR="77965" marT="0" marB="0"/>
-                </a:tc>
-                <a:tc>
-                  <a:txBody>
-                    <a:bodyPr/>
-                    <a:lstStyle/>
-                    <a:p>
-                      <a:pPr algn="r">
-                        <a:lnSpc>
-                          <a:spcPct val="107000"/>
-                        </a:lnSpc>
-                        <a:spcAft>
-                          <a:spcPts val="0"/>
-                        </a:spcAft>
-                      </a:pPr>
-                      <a:r>
-                        <a:rPr lang="pt-BR" sz="1400" b="1">
-                          <a:effectLst/>
-                        </a:rPr>
-                        <a:t>17924,24</a:t>
-                      </a:r>
-                      <a:endParaRPr lang="pt-BR" sz="1600" b="1">
-                        <a:effectLst/>
-                        <a:latin typeface="Arial"/>
-                        <a:ea typeface="Calibri"/>
-                        <a:cs typeface="Times New Roman"/>
-                      </a:endParaRPr>
-                    </a:p>
-                  </a:txBody>
-                  <a:tcPr marL="77965" marR="77965" marT="0" marB="0"/>
-                </a:tc>
-                <a:tc>
-                  <a:txBody>
-                    <a:bodyPr/>
-                    <a:lstStyle/>
-                    <a:p>
-                      <a:pPr algn="r">
-                        <a:lnSpc>
-                          <a:spcPct val="107000"/>
-                        </a:lnSpc>
-                        <a:spcAft>
-                          <a:spcPts val="0"/>
-                        </a:spcAft>
-                      </a:pPr>
-                      <a:r>
-                        <a:rPr lang="pt-BR" sz="1400" b="1" dirty="0">
-                          <a:effectLst/>
-                        </a:rPr>
-                        <a:t>18002,38</a:t>
-                      </a:r>
-                      <a:endParaRPr lang="pt-BR" sz="1600" b="1" dirty="0">
-                        <a:effectLst/>
-                        <a:latin typeface="Arial"/>
-                        <a:ea typeface="Calibri"/>
-                        <a:cs typeface="Times New Roman"/>
-                      </a:endParaRPr>
-                    </a:p>
-                  </a:txBody>
-                  <a:tcPr marL="77965" marR="77965" marT="0" marB="0"/>
-                </a:tc>
-                <a:tc>
-                  <a:txBody>
-                    <a:bodyPr/>
-                    <a:lstStyle/>
-                    <a:p>
-                      <a:pPr algn="r">
-                        <a:lnSpc>
-                          <a:spcPct val="107000"/>
-                        </a:lnSpc>
-                        <a:spcAft>
-                          <a:spcPts val="0"/>
-                        </a:spcAft>
-                      </a:pPr>
-                      <a:r>
-                        <a:rPr lang="pt-BR" sz="1400" b="1">
-                          <a:effectLst/>
-                        </a:rPr>
-                        <a:t>17916,91</a:t>
-                      </a:r>
-                      <a:endParaRPr lang="pt-BR" sz="1600" b="1">
-                        <a:effectLst/>
-                        <a:latin typeface="Arial"/>
-                        <a:ea typeface="Calibri"/>
-                        <a:cs typeface="Times New Roman"/>
-                      </a:endParaRPr>
-                    </a:p>
-                  </a:txBody>
-                  <a:tcPr marL="77965" marR="77965" marT="0" marB="0"/>
-                </a:tc>
-                <a:tc>
-                  <a:txBody>
-                    <a:bodyPr/>
-                    <a:lstStyle/>
-                    <a:p>
-                      <a:pPr algn="r">
-                        <a:lnSpc>
-                          <a:spcPct val="107000"/>
-                        </a:lnSpc>
-                        <a:spcAft>
-                          <a:spcPts val="0"/>
-                        </a:spcAft>
-                      </a:pPr>
-                      <a:r>
-                        <a:rPr lang="pt-BR" sz="1400" b="1" dirty="0">
-                          <a:effectLst/>
-                        </a:rPr>
-                        <a:t>17949,37</a:t>
-                      </a:r>
-                      <a:endParaRPr lang="pt-BR" sz="1600" b="1" dirty="0">
-                        <a:effectLst/>
-                        <a:latin typeface="Arial"/>
-                        <a:ea typeface="Calibri"/>
-                        <a:cs typeface="Times New Roman"/>
-                      </a:endParaRPr>
-                    </a:p>
-                  </a:txBody>
-                  <a:tcPr marL="77965" marR="77965" marT="0" marB="0"/>
-                </a:tc>
-                <a:tc>
-                  <a:txBody>
-                    <a:bodyPr/>
-                    <a:lstStyle/>
-                    <a:p>
-                      <a:pPr algn="r">
-                        <a:lnSpc>
-                          <a:spcPct val="107000"/>
-                        </a:lnSpc>
-                        <a:spcAft>
-                          <a:spcPts val="0"/>
-                        </a:spcAft>
-                      </a:pPr>
-                      <a:r>
-                        <a:rPr lang="pt-BR" sz="1400" b="1">
-                          <a:effectLst/>
-                        </a:rPr>
-                        <a:t>0,001402</a:t>
-                      </a:r>
-                      <a:endParaRPr lang="pt-BR" sz="1600" b="1">
-                        <a:effectLst/>
-                        <a:latin typeface="Arial"/>
-                        <a:ea typeface="Calibri"/>
-                        <a:cs typeface="Times New Roman"/>
-                      </a:endParaRPr>
-                    </a:p>
-                  </a:txBody>
-                  <a:tcPr marL="77965" marR="77965" marT="0" marB="0"/>
-                </a:tc>
-                <a:tc>
-                  <a:txBody>
-                    <a:bodyPr/>
-                    <a:lstStyle/>
-                    <a:p>
-                      <a:pPr algn="l">
-                        <a:lnSpc>
-                          <a:spcPct val="107000"/>
-                        </a:lnSpc>
-                        <a:spcAft>
-                          <a:spcPts val="0"/>
-                        </a:spcAft>
-                      </a:pPr>
-                      <a:r>
-                        <a:rPr lang="pt-BR" sz="1400" b="1">
-                          <a:effectLst/>
-                        </a:rPr>
-                        <a:t>A 117-year</a:t>
-                      </a:r>
-                      <a:endParaRPr lang="pt-BR" sz="1600" b="1">
-                        <a:effectLst/>
-                        <a:latin typeface="Arial"/>
-                        <a:ea typeface="Calibri"/>
-                        <a:cs typeface="Times New Roman"/>
-                      </a:endParaRPr>
-                    </a:p>
-                  </a:txBody>
-                  <a:tcPr marL="77965" marR="77965" marT="0" marB="0"/>
-                </a:tc>
-                <a:tc>
-                  <a:txBody>
-                    <a:bodyPr/>
-                    <a:lstStyle/>
-                    <a:p>
-                      <a:pPr algn="l">
-                        <a:lnSpc>
-                          <a:spcPct val="107000"/>
-                        </a:lnSpc>
-                        <a:spcAft>
-                          <a:spcPts val="0"/>
-                        </a:spcAft>
-                      </a:pPr>
-                      <a:r>
-                        <a:rPr lang="pt-BR" sz="1400" b="1">
-                          <a:effectLst/>
-                        </a:rPr>
-                        <a:t>...</a:t>
-                      </a:r>
-                      <a:endParaRPr lang="pt-BR" sz="1600" b="1">
-                        <a:effectLst/>
-                        <a:latin typeface="Arial"/>
-                        <a:ea typeface="Calibri"/>
-                        <a:cs typeface="Times New Roman"/>
-                      </a:endParaRPr>
-                    </a:p>
-                  </a:txBody>
-                  <a:tcPr marL="77965" marR="77965" marT="0" marB="0"/>
-                </a:tc>
-                <a:tc>
-                  <a:txBody>
-                    <a:bodyPr/>
-                    <a:lstStyle/>
-                    <a:p>
-                      <a:pPr algn="l">
-                        <a:lnSpc>
-                          <a:spcPct val="107000"/>
-                        </a:lnSpc>
-                        <a:spcAft>
-                          <a:spcPts val="0"/>
-                        </a:spcAft>
-                      </a:pPr>
-                      <a:r>
-                        <a:rPr lang="pt-BR" sz="1400" b="1">
-                          <a:effectLst/>
-                        </a:rPr>
-                        <a:t>Ozone Layer</a:t>
-                      </a:r>
-                      <a:endParaRPr lang="pt-BR" sz="1600" b="1">
-                        <a:effectLst/>
-                        <a:latin typeface="Arial"/>
-                        <a:ea typeface="Calibri"/>
-                        <a:cs typeface="Times New Roman"/>
-                      </a:endParaRPr>
-                    </a:p>
-                  </a:txBody>
-                  <a:tcPr marL="77965" marR="77965" marT="0" marB="0"/>
-                </a:tc>
-              </a:tr>
-              <a:tr h="532994">
-                <a:tc>
-                  <a:txBody>
-                    <a:bodyPr/>
-                    <a:lstStyle/>
-                    <a:p>
-                      <a:pPr algn="l">
-                        <a:lnSpc>
-                          <a:spcPct val="107000"/>
-                        </a:lnSpc>
-                        <a:spcAft>
-                          <a:spcPts val="0"/>
-                        </a:spcAft>
-                      </a:pPr>
-                      <a:r>
-                        <a:rPr lang="pt-BR" sz="1400" b="1" dirty="0">
-                          <a:effectLst/>
-                        </a:rPr>
-                        <a:t>...</a:t>
-                      </a:r>
-                      <a:endParaRPr lang="pt-BR" sz="1600" b="1" dirty="0">
-                        <a:effectLst/>
-                        <a:latin typeface="Arial"/>
-                        <a:ea typeface="Calibri"/>
-                        <a:cs typeface="Times New Roman"/>
-                      </a:endParaRPr>
-                    </a:p>
-                  </a:txBody>
-                  <a:tcPr marL="77965" marR="77965" marT="0" marB="0"/>
-                </a:tc>
-                <a:tc>
-                  <a:txBody>
-                    <a:bodyPr/>
-                    <a:lstStyle/>
-                    <a:p>
-                      <a:pPr algn="l">
-                        <a:lnSpc>
-                          <a:spcPct val="107000"/>
-                        </a:lnSpc>
-                        <a:spcAft>
-                          <a:spcPts val="0"/>
-                        </a:spcAft>
-                      </a:pPr>
-                      <a:r>
-                        <a:rPr lang="pt-BR" sz="1400" b="1" dirty="0">
-                          <a:effectLst/>
-                        </a:rPr>
-                        <a:t>...</a:t>
-                      </a:r>
-                      <a:endParaRPr lang="pt-BR" sz="1600" b="1" dirty="0">
-                        <a:effectLst/>
-                        <a:latin typeface="Arial"/>
-                        <a:ea typeface="Calibri"/>
-                        <a:cs typeface="Times New Roman"/>
-                      </a:endParaRPr>
-                    </a:p>
-                  </a:txBody>
-                  <a:tcPr marL="77965" marR="77965" marT="0" marB="0"/>
-                </a:tc>
-                <a:tc>
-                  <a:txBody>
-                    <a:bodyPr/>
-                    <a:lstStyle/>
-                    <a:p>
-                      <a:pPr algn="l">
-                        <a:lnSpc>
-                          <a:spcPct val="107000"/>
-                        </a:lnSpc>
-                        <a:spcAft>
-                          <a:spcPts val="0"/>
-                        </a:spcAft>
-                      </a:pPr>
-                      <a:r>
-                        <a:rPr lang="pt-BR" sz="1400" b="1" dirty="0">
-                          <a:effectLst/>
-                        </a:rPr>
-                        <a:t>...</a:t>
-                      </a:r>
-                      <a:endParaRPr lang="pt-BR" sz="1600" b="1" dirty="0">
-                        <a:effectLst/>
-                        <a:latin typeface="Arial"/>
-                        <a:ea typeface="Calibri"/>
-                        <a:cs typeface="Times New Roman"/>
-                      </a:endParaRPr>
-                    </a:p>
-                  </a:txBody>
-                  <a:tcPr marL="77965" marR="77965" marT="0" marB="0"/>
-                </a:tc>
-                <a:tc>
-                  <a:txBody>
-                    <a:bodyPr/>
-                    <a:lstStyle/>
-                    <a:p>
-                      <a:pPr algn="l">
-                        <a:lnSpc>
-                          <a:spcPct val="107000"/>
-                        </a:lnSpc>
-                        <a:spcAft>
-                          <a:spcPts val="0"/>
-                        </a:spcAft>
-                      </a:pPr>
-                      <a:r>
-                        <a:rPr lang="pt-BR" sz="1400" b="1">
-                          <a:effectLst/>
-                        </a:rPr>
-                        <a:t>...</a:t>
-                      </a:r>
-                      <a:endParaRPr lang="pt-BR" sz="1600" b="1">
-                        <a:effectLst/>
-                        <a:latin typeface="Arial"/>
-                        <a:ea typeface="Calibri"/>
-                        <a:cs typeface="Times New Roman"/>
-                      </a:endParaRPr>
-                    </a:p>
-                  </a:txBody>
-                  <a:tcPr marL="77965" marR="77965" marT="0" marB="0"/>
-                </a:tc>
-                <a:tc>
-                  <a:txBody>
-                    <a:bodyPr/>
-                    <a:lstStyle/>
-                    <a:p>
-                      <a:pPr algn="l">
-                        <a:lnSpc>
-                          <a:spcPct val="107000"/>
-                        </a:lnSpc>
-                        <a:spcAft>
-                          <a:spcPts val="0"/>
-                        </a:spcAft>
-                      </a:pPr>
-                      <a:r>
-                        <a:rPr lang="pt-BR" sz="1400" b="1">
-                          <a:effectLst/>
-                        </a:rPr>
-                        <a:t>...</a:t>
-                      </a:r>
-                      <a:endParaRPr lang="pt-BR" sz="1600" b="1">
-                        <a:effectLst/>
-                        <a:latin typeface="Arial"/>
-                        <a:ea typeface="Calibri"/>
-                        <a:cs typeface="Times New Roman"/>
-                      </a:endParaRPr>
-                    </a:p>
-                  </a:txBody>
-                  <a:tcPr marL="77965" marR="77965" marT="0" marB="0"/>
-                </a:tc>
-                <a:tc>
-                  <a:txBody>
-                    <a:bodyPr/>
-                    <a:lstStyle/>
-                    <a:p>
-                      <a:pPr algn="l">
-                        <a:lnSpc>
-                          <a:spcPct val="107000"/>
-                        </a:lnSpc>
-                        <a:spcAft>
-                          <a:spcPts val="0"/>
-                        </a:spcAft>
-                      </a:pPr>
-                      <a:r>
-                        <a:rPr lang="pt-BR" sz="1400" b="1">
-                          <a:effectLst/>
-                        </a:rPr>
-                        <a:t>...</a:t>
-                      </a:r>
-                      <a:endParaRPr lang="pt-BR" sz="1600" b="1">
-                        <a:effectLst/>
-                        <a:latin typeface="Arial"/>
-                        <a:ea typeface="Calibri"/>
-                        <a:cs typeface="Times New Roman"/>
-                      </a:endParaRPr>
-                    </a:p>
-                  </a:txBody>
-                  <a:tcPr marL="77965" marR="77965" marT="0" marB="0"/>
-                </a:tc>
-                <a:tc>
-                  <a:txBody>
-                    <a:bodyPr/>
-                    <a:lstStyle/>
-                    <a:p>
-                      <a:pPr algn="l">
-                        <a:lnSpc>
-                          <a:spcPct val="107000"/>
-                        </a:lnSpc>
-                        <a:spcAft>
-                          <a:spcPts val="0"/>
-                        </a:spcAft>
-                      </a:pPr>
-                      <a:r>
-                        <a:rPr lang="pt-BR" sz="1400" b="1">
-                          <a:effectLst/>
-                        </a:rPr>
-                        <a:t>...</a:t>
-                      </a:r>
-                      <a:endParaRPr lang="pt-BR" sz="1600" b="1">
-                        <a:effectLst/>
-                        <a:latin typeface="Arial"/>
-                        <a:ea typeface="Calibri"/>
-                        <a:cs typeface="Times New Roman"/>
-                      </a:endParaRPr>
-                    </a:p>
-                  </a:txBody>
-                  <a:tcPr marL="77965" marR="77965" marT="0" marB="0"/>
-                </a:tc>
-                <a:tc>
-                  <a:txBody>
-                    <a:bodyPr/>
-                    <a:lstStyle/>
-                    <a:p>
-                      <a:pPr algn="l">
-                        <a:lnSpc>
-                          <a:spcPct val="107000"/>
-                        </a:lnSpc>
-                        <a:spcAft>
-                          <a:spcPts val="0"/>
-                        </a:spcAft>
-                      </a:pPr>
-                      <a:r>
-                        <a:rPr lang="pt-BR" sz="1400" b="1">
-                          <a:effectLst/>
-                        </a:rPr>
-                        <a:t>...</a:t>
-                      </a:r>
-                      <a:endParaRPr lang="pt-BR" sz="1600" b="1">
-                        <a:effectLst/>
-                        <a:latin typeface="Arial"/>
-                        <a:ea typeface="Calibri"/>
-                        <a:cs typeface="Times New Roman"/>
-                      </a:endParaRPr>
-                    </a:p>
-                  </a:txBody>
-                  <a:tcPr marL="77965" marR="77965" marT="0" marB="0"/>
-                </a:tc>
-                <a:tc>
-                  <a:txBody>
-                    <a:bodyPr/>
-                    <a:lstStyle/>
-                    <a:p>
-                      <a:pPr algn="l">
-                        <a:lnSpc>
-                          <a:spcPct val="107000"/>
-                        </a:lnSpc>
-                        <a:spcAft>
-                          <a:spcPts val="0"/>
-                        </a:spcAft>
-                      </a:pPr>
-                      <a:r>
-                        <a:rPr lang="pt-BR" sz="1400" b="1">
-                          <a:effectLst/>
-                        </a:rPr>
-                        <a:t>...</a:t>
-                      </a:r>
-                      <a:endParaRPr lang="pt-BR" sz="1600" b="1">
-                        <a:effectLst/>
-                        <a:latin typeface="Arial"/>
-                        <a:ea typeface="Calibri"/>
-                        <a:cs typeface="Times New Roman"/>
-                      </a:endParaRPr>
-                    </a:p>
-                  </a:txBody>
-                  <a:tcPr marL="77965" marR="77965" marT="0" marB="0"/>
-                </a:tc>
-              </a:tr>
-              <a:tr h="456997">
-                <a:tc>
-                  <a:txBody>
-                    <a:bodyPr/>
-                    <a:lstStyle/>
-                    <a:p>
-                      <a:pPr algn="r">
-                        <a:lnSpc>
-                          <a:spcPct val="107000"/>
-                        </a:lnSpc>
-                        <a:spcAft>
-                          <a:spcPts val="0"/>
-                        </a:spcAft>
-                      </a:pPr>
-                      <a:r>
-                        <a:rPr lang="pt-BR" sz="1400" b="1">
-                          <a:effectLst/>
-                        </a:rPr>
-                        <a:t>08/08/2008</a:t>
-                      </a:r>
-                      <a:endParaRPr lang="pt-BR" sz="1600" b="1">
-                        <a:effectLst/>
-                        <a:latin typeface="Arial"/>
-                        <a:ea typeface="Calibri"/>
-                        <a:cs typeface="Times New Roman"/>
-                      </a:endParaRPr>
-                    </a:p>
-                  </a:txBody>
-                  <a:tcPr marL="77965" marR="77965" marT="0" marB="0"/>
-                </a:tc>
-                <a:tc>
-                  <a:txBody>
-                    <a:bodyPr/>
-                    <a:lstStyle/>
-                    <a:p>
-                      <a:pPr algn="r">
-                        <a:lnSpc>
-                          <a:spcPct val="107000"/>
-                        </a:lnSpc>
-                        <a:spcAft>
-                          <a:spcPts val="0"/>
-                        </a:spcAft>
-                      </a:pPr>
-                      <a:r>
-                        <a:rPr lang="pt-BR" sz="1400" b="1">
-                          <a:effectLst/>
-                        </a:rPr>
-                        <a:t>11432,09</a:t>
-                      </a:r>
-                      <a:endParaRPr lang="pt-BR" sz="1600" b="1">
-                        <a:effectLst/>
-                        <a:latin typeface="Arial"/>
-                        <a:ea typeface="Calibri"/>
-                        <a:cs typeface="Times New Roman"/>
-                      </a:endParaRPr>
-                    </a:p>
-                  </a:txBody>
-                  <a:tcPr marL="77965" marR="77965" marT="0" marB="0"/>
-                </a:tc>
-                <a:tc>
-                  <a:txBody>
-                    <a:bodyPr/>
-                    <a:lstStyle/>
-                    <a:p>
-                      <a:pPr algn="r">
-                        <a:lnSpc>
-                          <a:spcPct val="107000"/>
-                        </a:lnSpc>
-                        <a:spcAft>
-                          <a:spcPts val="0"/>
-                        </a:spcAft>
-                      </a:pPr>
-                      <a:r>
-                        <a:rPr lang="pt-BR" sz="1400" b="1" dirty="0">
-                          <a:effectLst/>
-                        </a:rPr>
-                        <a:t>11759,96</a:t>
-                      </a:r>
-                      <a:endParaRPr lang="pt-BR" sz="1600" b="1" dirty="0">
-                        <a:effectLst/>
-                        <a:latin typeface="Arial"/>
-                        <a:ea typeface="Calibri"/>
-                        <a:cs typeface="Times New Roman"/>
-                      </a:endParaRPr>
-                    </a:p>
-                  </a:txBody>
-                  <a:tcPr marL="77965" marR="77965" marT="0" marB="0"/>
-                </a:tc>
-                <a:tc>
-                  <a:txBody>
-                    <a:bodyPr/>
-                    <a:lstStyle/>
-                    <a:p>
-                      <a:pPr algn="r">
-                        <a:lnSpc>
-                          <a:spcPct val="107000"/>
-                        </a:lnSpc>
-                        <a:spcAft>
-                          <a:spcPts val="0"/>
-                        </a:spcAft>
-                      </a:pPr>
-                      <a:r>
-                        <a:rPr lang="pt-BR" sz="1400" b="1" dirty="0">
-                          <a:effectLst/>
-                        </a:rPr>
-                        <a:t>11388,04</a:t>
-                      </a:r>
-                      <a:endParaRPr lang="pt-BR" sz="1600" b="1" dirty="0">
-                        <a:effectLst/>
-                        <a:latin typeface="Arial"/>
-                        <a:ea typeface="Calibri"/>
-                        <a:cs typeface="Times New Roman"/>
-                      </a:endParaRPr>
-                    </a:p>
-                  </a:txBody>
-                  <a:tcPr marL="77965" marR="77965" marT="0" marB="0"/>
-                </a:tc>
-                <a:tc>
-                  <a:txBody>
-                    <a:bodyPr/>
-                    <a:lstStyle/>
-                    <a:p>
-                      <a:pPr algn="r">
-                        <a:lnSpc>
-                          <a:spcPct val="107000"/>
-                        </a:lnSpc>
-                        <a:spcAft>
-                          <a:spcPts val="0"/>
-                        </a:spcAft>
-                      </a:pPr>
-                      <a:r>
-                        <a:rPr lang="pt-BR" sz="1400" b="1" dirty="0">
-                          <a:effectLst/>
-                        </a:rPr>
-                        <a:t>11734,32</a:t>
-                      </a:r>
-                      <a:endParaRPr lang="pt-BR" sz="1600" b="1" dirty="0">
-                        <a:effectLst/>
-                        <a:latin typeface="Arial"/>
-                        <a:ea typeface="Calibri"/>
-                        <a:cs typeface="Times New Roman"/>
-                      </a:endParaRPr>
-                    </a:p>
-                  </a:txBody>
-                  <a:tcPr marL="77965" marR="77965" marT="0" marB="0"/>
-                </a:tc>
-                <a:tc>
-                  <a:txBody>
-                    <a:bodyPr/>
-                    <a:lstStyle/>
-                    <a:p>
-                      <a:pPr algn="r">
-                        <a:lnSpc>
-                          <a:spcPct val="107000"/>
-                        </a:lnSpc>
-                        <a:spcAft>
-                          <a:spcPts val="0"/>
-                        </a:spcAft>
-                      </a:pPr>
-                      <a:r>
-                        <a:rPr lang="pt-BR" sz="1400" b="1" dirty="0">
-                          <a:effectLst/>
-                        </a:rPr>
-                        <a:t>0,26437</a:t>
-                      </a:r>
-                      <a:endParaRPr lang="pt-BR" sz="1600" b="1" dirty="0">
-                        <a:effectLst/>
-                        <a:latin typeface="Arial"/>
-                        <a:ea typeface="Calibri"/>
-                        <a:cs typeface="Times New Roman"/>
-                      </a:endParaRPr>
-                    </a:p>
-                  </a:txBody>
-                  <a:tcPr marL="77965" marR="77965" marT="0" marB="0"/>
-                </a:tc>
-                <a:tc>
-                  <a:txBody>
-                    <a:bodyPr/>
-                    <a:lstStyle/>
-                    <a:p>
-                      <a:pPr algn="l">
-                        <a:lnSpc>
-                          <a:spcPct val="107000"/>
-                        </a:lnSpc>
-                        <a:spcAft>
-                          <a:spcPts val="0"/>
-                        </a:spcAft>
-                      </a:pPr>
-                      <a:r>
-                        <a:rPr lang="pt-BR" sz="1400" b="1" dirty="0">
-                          <a:effectLst/>
-                        </a:rPr>
-                        <a:t>Nim Chimp</a:t>
-                      </a:r>
-                      <a:endParaRPr lang="pt-BR" sz="1600" b="1" dirty="0">
-                        <a:effectLst/>
-                        <a:latin typeface="Arial"/>
-                        <a:ea typeface="Calibri"/>
-                        <a:cs typeface="Times New Roman"/>
-                      </a:endParaRPr>
-                    </a:p>
-                  </a:txBody>
-                  <a:tcPr marL="77965" marR="77965" marT="0" marB="0"/>
-                </a:tc>
-                <a:tc>
-                  <a:txBody>
-                    <a:bodyPr/>
-                    <a:lstStyle/>
-                    <a:p>
-                      <a:pPr algn="l">
-                        <a:lnSpc>
-                          <a:spcPct val="107000"/>
-                        </a:lnSpc>
-                        <a:spcAft>
-                          <a:spcPts val="0"/>
-                        </a:spcAft>
-                      </a:pPr>
-                      <a:r>
-                        <a:rPr lang="pt-BR" sz="1400" b="1" dirty="0">
-                          <a:effectLst/>
-                        </a:rPr>
-                        <a:t>...</a:t>
-                      </a:r>
-                      <a:endParaRPr lang="pt-BR" sz="1600" b="1" dirty="0">
-                        <a:effectLst/>
-                        <a:latin typeface="Arial"/>
-                        <a:ea typeface="Calibri"/>
-                        <a:cs typeface="Times New Roman"/>
-                      </a:endParaRPr>
-                    </a:p>
-                  </a:txBody>
-                  <a:tcPr marL="77965" marR="77965" marT="0" marB="0"/>
-                </a:tc>
-                <a:tc>
-                  <a:txBody>
-                    <a:bodyPr/>
-                    <a:lstStyle/>
-                    <a:p>
-                      <a:pPr algn="l">
-                        <a:lnSpc>
-                          <a:spcPct val="107000"/>
-                        </a:lnSpc>
-                        <a:spcAft>
-                          <a:spcPts val="0"/>
-                        </a:spcAft>
-                      </a:pPr>
-                      <a:r>
-                        <a:rPr lang="pt-BR" sz="1400" b="1" dirty="0">
-                          <a:effectLst/>
-                        </a:rPr>
-                        <a:t>Marriage</a:t>
-                      </a:r>
-                      <a:endParaRPr lang="pt-BR" sz="1600" b="1" dirty="0">
-                        <a:effectLst/>
-                        <a:latin typeface="Arial"/>
-                        <a:ea typeface="Calibri"/>
-                        <a:cs typeface="Times New Roman"/>
-                      </a:endParaRPr>
-                    </a:p>
-                  </a:txBody>
-                  <a:tcPr marL="77965" marR="77965" marT="0" marB="0"/>
-                </a:tc>
-              </a:tr>
-            </a:tbl>
-          </a:graphicData>
-        </a:graphic>
-      </p:graphicFrame>
-      <p:sp>
-        <p:nvSpPr>
-          <p:cNvPr id="7" name="TextBox 6"/>
-          <p:cNvSpPr txBox="1"/>
+          </p:nvPr>
+        </p:nvSpPr>
+        <p:spPr/>
+        <p:txBody>
+          <a:bodyPr>
+            <a:normAutofit/>
+          </a:bodyPr>
+          <a:lstStyle/>
+          <a:p>
+            <a:r>
+              <a:rPr lang="pt-BR" sz="2800" dirty="0" smtClean="0"/>
+              <a:t>Só identificou as classes mais próximas à 0 (H1 e L1).</a:t>
+            </a:r>
+          </a:p>
+          <a:p>
+            <a:r>
+              <a:rPr lang="pt-BR" sz="2800" dirty="0" smtClean="0"/>
+              <a:t>Concentração das variações nessa faixa de valores.</a:t>
+            </a:r>
+          </a:p>
+          <a:p>
+            <a:r>
+              <a:rPr lang="pt-BR" sz="2800" dirty="0" smtClean="0"/>
+              <a:t>Não há dados suficientes para se prever vários intervalos. </a:t>
+            </a:r>
+            <a:endParaRPr lang="pt-BR" sz="2800" dirty="0"/>
+          </a:p>
+        </p:txBody>
+      </p:sp>
+      <p:pic>
+        <p:nvPicPr>
+          <p:cNvPr id="7170" name="Picture 2" descr="C:\Users\Matheus\Desktop\c6.PNG"/>
+          <p:cNvPicPr>
+            <a:picLocks noChangeAspect="1" noChangeArrowheads="1"/>
+          </p:cNvPicPr>
           <p:nvPr/>
-        </p:nvSpPr>
-        <p:spPr>
+        </p:nvPicPr>
+        <p:blipFill>
+          <a:blip r:embed="rId2">
+            <a:extLst>
+              <a:ext uri="{28A0092B-C50C-407E-A947-70E740481C1C}">
+                <a14:useLocalDpi xmlns:a14="http://schemas.microsoft.com/office/drawing/2010/main" val="0"/>
+              </a:ext>
+            </a:extLst>
+          </a:blip>
+          <a:srcRect/>
+          <a:stretch>
+            <a:fillRect/>
+          </a:stretch>
+        </p:blipFill>
+        <p:spPr bwMode="auto">
           <a:xfrm>
-            <a:off x="1524000" y="1854558"/>
-            <a:ext cx="6019800" cy="523220"/>
+            <a:off x="2057400" y="3886200"/>
+            <a:ext cx="5209280" cy="2117725"/>
           </a:xfrm>
           <a:prstGeom prst="rect">
             <a:avLst/>
           </a:prstGeom>
           <a:noFill/>
+          <a:extLst>
+            <a:ext uri="{909E8E84-426E-40DD-AFC4-6F175D3DCCD1}">
+              <a14:hiddenFill xmlns:a14="http://schemas.microsoft.com/office/drawing/2010/main">
+                <a:solidFill>
+                  <a:srgbClr val="FFFFFF"/>
+                </a:solidFill>
+              </a14:hiddenFill>
+            </a:ext>
+          </a:extLst>
         </p:spPr>
-        <p:txBody>
-          <a:bodyPr wrap="square" rtlCol="0">
-            <a:spAutoFit/>
-          </a:bodyPr>
-          <a:lstStyle/>
-          <a:p>
-            <a:pPr algn="ctr"/>
-            <a:r>
-              <a:rPr lang="pt-BR" sz="2800" dirty="0" smtClean="0"/>
-              <a:t>Formação do dataset de trabalho:</a:t>
-            </a:r>
-            <a:endParaRPr lang="pt-BR" sz="2800" dirty="0"/>
-          </a:p>
-        </p:txBody>
-      </p:sp>
+      </p:pic>
     </p:spTree>
     <p:extLst>
       <p:ext uri="{BB962C8B-B14F-4D97-AF65-F5344CB8AC3E}">
-        <p14:creationId xmlns:p14="http://schemas.microsoft.com/office/powerpoint/2010/main" val="310759999"/>
+        <p14:creationId xmlns:p14="http://schemas.microsoft.com/office/powerpoint/2010/main" val="3740237230"/>
       </p:ext>
     </p:extLst>
   </p:cSld>
@@ -5065,12 +4676,18 @@
         </p:nvSpPr>
         <p:spPr/>
         <p:txBody>
-          <a:bodyPr/>
-          <a:lstStyle/>
-          <a:p>
+          <a:bodyPr>
+            <a:normAutofit fontScale="90000"/>
+          </a:bodyPr>
+          <a:lstStyle/>
+          <a:p>
+            <a:r>
+              <a:rPr lang="pt-BR" dirty="0"/>
+              <a:t>Classificação Preliminar Dow Jones </a:t>
+            </a:r>
             <a:r>
               <a:rPr lang="pt-BR" dirty="0" smtClean="0"/>
-              <a:t>Pré-processamento 2</a:t>
+              <a:t>2</a:t>
             </a:r>
             <a:endParaRPr lang="pt-BR" dirty="0"/>
           </a:p>
@@ -5091,48 +4708,79 @@
           <a:bodyPr/>
           <a:lstStyle/>
           <a:p>
-            <a:endParaRPr lang="pt-BR" dirty="0" smtClean="0"/>
-          </a:p>
-          <a:p>
+            <a:r>
+              <a:rPr lang="pt-BR" dirty="0"/>
+              <a:t>Uso das notícias Top 1 de cada </a:t>
+            </a:r>
             <a:r>
               <a:rPr lang="pt-BR" dirty="0" smtClean="0"/>
-              <a:t>Problemas </a:t>
-            </a:r>
+              <a:t>dia.</a:t>
+            </a:r>
+            <a:endParaRPr lang="pt-BR" dirty="0"/>
+          </a:p>
+          <a:p>
             <a:r>
               <a:rPr lang="pt-BR" dirty="0"/>
-              <a:t>encontrados:</a:t>
-            </a:r>
-          </a:p>
-          <a:p>
-            <a:pPr lvl="1"/>
-            <a:r>
-              <a:rPr lang="pt-BR" dirty="0"/>
-              <a:t>Dados sobre o índice Down Jones não disponíveis para todos os dias.</a:t>
-            </a:r>
-          </a:p>
-          <a:p>
-            <a:pPr lvl="1"/>
-            <a:r>
-              <a:rPr lang="pt-BR" dirty="0"/>
-              <a:t>Notícias não disponíveis para todos os dias do período estudado.</a:t>
-            </a:r>
-          </a:p>
-          <a:p>
-            <a:pPr lvl="1"/>
-            <a:r>
-              <a:rPr lang="pt-BR" dirty="0"/>
-              <a:t>Notícias repetidas em alguns dias.</a:t>
+              <a:t>Divisão </a:t>
+            </a:r>
+            <a:r>
+              <a:rPr lang="pt-BR" dirty="0" smtClean="0"/>
+              <a:t>binária: aumentou ou diminuiu.</a:t>
             </a:r>
           </a:p>
           <a:p>
             <a:endParaRPr lang="pt-BR" dirty="0"/>
           </a:p>
-        </p:txBody>
-      </p:sp>
+          <a:p>
+            <a:endParaRPr lang="pt-BR" dirty="0"/>
+          </a:p>
+        </p:txBody>
+      </p:sp>
+      <p:pic>
+        <p:nvPicPr>
+          <p:cNvPr id="6147" name="Picture 3" descr="C:\Users\Matheus\Desktop\c7.PNG"/>
+          <p:cNvPicPr>
+            <a:picLocks noChangeAspect="1" noChangeArrowheads="1"/>
+          </p:cNvPicPr>
+          <p:nvPr/>
+        </p:nvPicPr>
+        <p:blipFill>
+          <a:blip r:embed="rId2">
+            <a:extLst>
+              <a:ext uri="{28A0092B-C50C-407E-A947-70E740481C1C}">
+                <a14:useLocalDpi xmlns:a14="http://schemas.microsoft.com/office/drawing/2010/main" val="0"/>
+              </a:ext>
+            </a:extLst>
+          </a:blip>
+          <a:srcRect/>
+          <a:stretch>
+            <a:fillRect/>
+          </a:stretch>
+        </p:blipFill>
+        <p:spPr bwMode="auto">
+          <a:xfrm>
+            <a:off x="1173902" y="3429000"/>
+            <a:ext cx="6650958" cy="2079625"/>
+          </a:xfrm>
+          <a:prstGeom prst="rect">
+            <a:avLst/>
+          </a:prstGeom>
+          <a:noFill/>
+          <a:extLst>
+            <a:ext uri="{909E8E84-426E-40DD-AFC4-6F175D3DCCD1}">
+              <a14:hiddenFill xmlns:a14="http://schemas.microsoft.com/office/drawing/2010/main">
+                <a:solidFill>
+                  <a:srgbClr val="FFFFFF"/>
+                </a:solidFill>
+              </a14:hiddenFill>
+            </a:ext>
+          </a:extLst>
+        </p:spPr>
+      </p:pic>
     </p:spTree>
     <p:extLst>
       <p:ext uri="{BB962C8B-B14F-4D97-AF65-F5344CB8AC3E}">
-        <p14:creationId xmlns:p14="http://schemas.microsoft.com/office/powerpoint/2010/main" val="2262193904"/>
+        <p14:creationId xmlns:p14="http://schemas.microsoft.com/office/powerpoint/2010/main" val="3631580444"/>
       </p:ext>
     </p:extLst>
   </p:cSld>
@@ -5176,7 +4824,15 @@
           <a:p>
             <a:r>
               <a:rPr lang="pt-BR" dirty="0" smtClean="0"/>
-              <a:t>Plano Preliminar</a:t>
+              <a:t>Resultado </a:t>
+            </a:r>
+            <a:r>
+              <a:rPr lang="pt-BR" dirty="0"/>
+              <a:t>Preliminar Dow Jones </a:t>
+            </a:r>
+            <a:r>
+              <a:rPr lang="pt-BR" dirty="0" smtClean="0"/>
+              <a:t>2</a:t>
             </a:r>
             <a:endParaRPr lang="pt-BR" dirty="0"/>
           </a:p>
@@ -5199,83 +4855,69 @@
           <a:p>
             <a:r>
               <a:rPr lang="pt-BR" dirty="0" smtClean="0"/>
-              <a:t>Criação </a:t>
-            </a:r>
-            <a:r>
-              <a:rPr lang="pt-BR" dirty="0"/>
-              <a:t>de um Classificador e rotulação das </a:t>
-            </a:r>
+              <a:t>Precisão média de 50%</a:t>
+            </a:r>
+          </a:p>
+          <a:p>
             <a:r>
               <a:rPr lang="pt-BR" dirty="0" smtClean="0"/>
-              <a:t>manchetes.</a:t>
+              <a:t>Uso de mais notícias se faz necessário</a:t>
             </a:r>
           </a:p>
           <a:p>
             <a:r>
               <a:rPr lang="pt-BR" dirty="0" smtClean="0"/>
-              <a:t>Análise </a:t>
-            </a:r>
-            <a:r>
-              <a:rPr lang="pt-BR" dirty="0"/>
-              <a:t>dos dados </a:t>
-            </a:r>
-            <a:r>
-              <a:rPr lang="pt-BR" dirty="0" smtClean="0"/>
-              <a:t>rotulados.</a:t>
-            </a:r>
-          </a:p>
-          <a:p>
-            <a:r>
-              <a:rPr lang="pt-BR" dirty="0" smtClean="0"/>
-              <a:t>Análise </a:t>
-            </a:r>
-            <a:r>
-              <a:rPr lang="pt-BR" dirty="0"/>
-              <a:t>de correlação das notícias com o índice </a:t>
-            </a:r>
-            <a:r>
-              <a:rPr lang="pt-BR" dirty="0" smtClean="0"/>
-              <a:t>DJI.</a:t>
-            </a:r>
-          </a:p>
-          <a:p>
-            <a:r>
-              <a:rPr lang="pt-BR" dirty="0" smtClean="0"/>
-              <a:t>Mineração </a:t>
-            </a:r>
-            <a:r>
-              <a:rPr lang="pt-BR" dirty="0"/>
-              <a:t>dos </a:t>
-            </a:r>
-            <a:r>
-              <a:rPr lang="pt-BR" dirty="0" smtClean="0"/>
-              <a:t>dados.</a:t>
-            </a:r>
-          </a:p>
-          <a:p>
-            <a:r>
-              <a:rPr lang="pt-BR" dirty="0" smtClean="0"/>
-              <a:t>Resposta </a:t>
-            </a:r>
-            <a:r>
-              <a:rPr lang="pt-BR" dirty="0"/>
-              <a:t>da Pergunta </a:t>
-            </a:r>
-            <a:r>
-              <a:rPr lang="pt-BR" dirty="0" smtClean="0"/>
-              <a:t>proposta.</a:t>
+              <a:t>Notícias curtas são um problema</a:t>
             </a:r>
             <a:endParaRPr lang="pt-BR" dirty="0"/>
           </a:p>
-          <a:p>
-            <a:endParaRPr lang="pt-BR" dirty="0"/>
-          </a:p>
-        </p:txBody>
-      </p:sp>
+        </p:txBody>
+      </p:sp>
+      <p:pic>
+        <p:nvPicPr>
+          <p:cNvPr id="8194" name="Picture 2" descr="C:\Users\Matheus\Desktop\c8.PNG"/>
+          <p:cNvPicPr>
+            <a:picLocks noChangeAspect="1" noChangeArrowheads="1"/>
+          </p:cNvPicPr>
+          <p:nvPr/>
+        </p:nvPicPr>
+        <p:blipFill>
+          <a:blip r:embed="rId2">
+            <a:extLst>
+              <a:ext uri="{28A0092B-C50C-407E-A947-70E740481C1C}">
+                <a14:useLocalDpi xmlns:a14="http://schemas.microsoft.com/office/drawing/2010/main" val="0"/>
+              </a:ext>
+            </a:extLst>
+          </a:blip>
+          <a:srcRect/>
+          <a:stretch>
+            <a:fillRect/>
+          </a:stretch>
+        </p:blipFill>
+        <p:spPr bwMode="auto">
+          <a:xfrm>
+            <a:off x="1617372" y="4146997"/>
+            <a:ext cx="5786054" cy="1562100"/>
+          </a:xfrm>
+          <a:prstGeom prst="rect">
+            <a:avLst/>
+          </a:prstGeom>
+          <a:noFill/>
+          <a:extLst>
+            <a:ext uri="{909E8E84-426E-40DD-AFC4-6F175D3DCCD1}">
+              <a14:hiddenFill xmlns:a14="http://schemas.microsoft.com/office/drawing/2010/main">
+                <a:solidFill>
+                  <a:srgbClr val="FFFFFF"/>
+                </a:solidFill>
+              </a14:hiddenFill>
+            </a:ext>
+          </a:extLst>
+        </p:spPr>
+      </p:pic>
     </p:spTree>
     <p:extLst>
       <p:ext uri="{BB962C8B-B14F-4D97-AF65-F5344CB8AC3E}">
-        <p14:creationId xmlns:p14="http://schemas.microsoft.com/office/powerpoint/2010/main" val="3646797148"/>
+        <p14:creationId xmlns:p14="http://schemas.microsoft.com/office/powerpoint/2010/main" val="3141898998"/>
       </p:ext>
     </p:extLst>
   </p:cSld>
